--- a/Presentation.pptx
+++ b/Presentation.pptx
@@ -31,15 +31,16 @@
     <p:sldId id="275" r:id="rId25"/>
     <p:sldId id="285" r:id="rId26"/>
     <p:sldId id="276" r:id="rId27"/>
-    <p:sldId id="292" r:id="rId28"/>
-    <p:sldId id="293" r:id="rId29"/>
-    <p:sldId id="291" r:id="rId30"/>
-    <p:sldId id="294" r:id="rId31"/>
-    <p:sldId id="286" r:id="rId32"/>
-    <p:sldId id="296" r:id="rId33"/>
-    <p:sldId id="295" r:id="rId34"/>
-    <p:sldId id="266" r:id="rId35"/>
-    <p:sldId id="264" r:id="rId36"/>
+    <p:sldId id="303" r:id="rId28"/>
+    <p:sldId id="292" r:id="rId29"/>
+    <p:sldId id="293" r:id="rId30"/>
+    <p:sldId id="291" r:id="rId31"/>
+    <p:sldId id="294" r:id="rId32"/>
+    <p:sldId id="286" r:id="rId33"/>
+    <p:sldId id="296" r:id="rId34"/>
+    <p:sldId id="295" r:id="rId35"/>
+    <p:sldId id="266" r:id="rId36"/>
+    <p:sldId id="264" r:id="rId37"/>
   </p:sldIdLst>
   <p:sldSz cx="12192000" cy="6858000"/>
   <p:notesSz cx="6858000" cy="9144000"/>
@@ -2452,7 +2453,6 @@
             <a:rPr lang="en-US" dirty="0"/>
             <a:t> Kim</a:t>
           </a:r>
-          <a:endParaRPr lang="en-US" dirty="0"/>
         </a:p>
       </dgm:t>
     </dgm:pt>
@@ -2489,7 +2489,6 @@
             <a:rPr lang="en-US" dirty="0"/>
             <a:t>Sharon Kim</a:t>
           </a:r>
-          <a:endParaRPr lang="en-US" dirty="0"/>
         </a:p>
       </dgm:t>
     </dgm:pt>
@@ -2526,7 +2525,6 @@
             <a:rPr lang="en-US"/>
             <a:t>Hyeun Kang</a:t>
           </a:r>
-          <a:endParaRPr lang="en-US"/>
         </a:p>
       </dgm:t>
     </dgm:pt>
@@ -2599,7 +2597,6 @@
             <a:rPr lang="en-US" dirty="0"/>
             <a:t>Documents handler</a:t>
           </a:r>
-          <a:endParaRPr lang="en-US" dirty="0"/>
         </a:p>
       </dgm:t>
     </dgm:pt>
@@ -2636,7 +2633,6 @@
             <a:rPr lang="en-US"/>
             <a:t>Java coder</a:t>
           </a:r>
-          <a:endParaRPr lang="en-US"/>
         </a:p>
       </dgm:t>
     </dgm:pt>
@@ -2670,10 +2666,9 @@
         <a:lstStyle/>
         <a:p>
           <a:r>
-            <a:rPr lang="en-US"/>
+            <a:rPr lang="en-US" dirty="0"/>
             <a:t>Problem Statement </a:t>
           </a:r>
-          <a:endParaRPr lang="en-US"/>
         </a:p>
       </dgm:t>
     </dgm:pt>
@@ -2746,7 +2741,6 @@
             <a:rPr lang="en-US" dirty="0"/>
             <a:t>User Guide</a:t>
           </a:r>
-          <a:endParaRPr lang="en-US" dirty="0"/>
         </a:p>
       </dgm:t>
     </dgm:pt>
@@ -2783,7 +2777,6 @@
             <a:rPr lang="en-US"/>
             <a:t>Finalize code documentation</a:t>
           </a:r>
-          <a:endParaRPr lang="en-US"/>
         </a:p>
       </dgm:t>
     </dgm:pt>
@@ -2892,7 +2885,6 @@
             <a:rPr lang="en-US"/>
             <a:t>Gannt Chart</a:t>
           </a:r>
-          <a:endParaRPr lang="en-US"/>
         </a:p>
       </dgm:t>
     </dgm:pt>
@@ -2929,7 +2921,6 @@
             <a:rPr lang="en-US"/>
             <a:t>Category Interaction Diagram</a:t>
           </a:r>
-          <a:endParaRPr lang="en-US"/>
         </a:p>
       </dgm:t>
     </dgm:pt>
@@ -3074,7 +3065,6 @@
             <a:rPr lang="en-US" dirty="0"/>
             <a:t>Program tester</a:t>
           </a:r>
-          <a:endParaRPr lang="en-US" dirty="0"/>
         </a:p>
       </dgm:t>
     </dgm:pt>
@@ -3183,7 +3173,6 @@
             <a:rPr lang="en-US" dirty="0"/>
             <a:t>Java coder</a:t>
           </a:r>
-          <a:endParaRPr lang="en-US" dirty="0"/>
         </a:p>
       </dgm:t>
     </dgm:pt>
@@ -3245,6 +3234,78 @@
         </a:p>
       </dgm:t>
     </dgm:pt>
+    <dgm:pt modelId="{7FCA54B3-3160-475B-BDB5-8743186ECDBD}">
+      <dgm:prSet/>
+      <dgm:spPr/>
+      <dgm:t>
+        <a:bodyPr/>
+        <a:lstStyle/>
+        <a:p>
+          <a:r>
+            <a:rPr lang="en-US" dirty="0"/>
+            <a:t>Jakub Pietrasik</a:t>
+          </a:r>
+        </a:p>
+      </dgm:t>
+    </dgm:pt>
+    <dgm:pt modelId="{43B7C6F4-45A5-4F87-AD1E-EBEF4A0A5A48}" type="parTrans" cxnId="{20FFDA86-EDAC-45AA-8B37-70D006F79E97}">
+      <dgm:prSet/>
+      <dgm:spPr/>
+      <dgm:t>
+        <a:bodyPr/>
+        <a:lstStyle/>
+        <a:p>
+          <a:endParaRPr lang="en-US"/>
+        </a:p>
+      </dgm:t>
+    </dgm:pt>
+    <dgm:pt modelId="{2F7402C2-3BC6-4712-BA21-760CF86634F6}" type="sibTrans" cxnId="{20FFDA86-EDAC-45AA-8B37-70D006F79E97}">
+      <dgm:prSet/>
+      <dgm:spPr/>
+      <dgm:t>
+        <a:bodyPr/>
+        <a:lstStyle/>
+        <a:p>
+          <a:endParaRPr lang="en-US"/>
+        </a:p>
+      </dgm:t>
+    </dgm:pt>
+    <dgm:pt modelId="{C469A7B8-E576-4AEC-8079-F898C5719177}">
+      <dgm:prSet/>
+      <dgm:spPr/>
+      <dgm:t>
+        <a:bodyPr/>
+        <a:lstStyle/>
+        <a:p>
+          <a:r>
+            <a:rPr lang="en-US" dirty="0"/>
+            <a:t>Legacy</a:t>
+          </a:r>
+        </a:p>
+      </dgm:t>
+    </dgm:pt>
+    <dgm:pt modelId="{1CB1173D-339A-4CD2-8F15-D90F6D7CA4AF}" type="parTrans" cxnId="{B9065755-CDD2-42E3-BE82-621517420D0A}">
+      <dgm:prSet/>
+      <dgm:spPr/>
+      <dgm:t>
+        <a:bodyPr/>
+        <a:lstStyle/>
+        <a:p>
+          <a:endParaRPr lang="en-US"/>
+        </a:p>
+      </dgm:t>
+    </dgm:pt>
+    <dgm:pt modelId="{86154913-95A8-4FFB-94C7-97440F991063}" type="sibTrans" cxnId="{B9065755-CDD2-42E3-BE82-621517420D0A}">
+      <dgm:prSet/>
+      <dgm:spPr/>
+      <dgm:t>
+        <a:bodyPr/>
+        <a:lstStyle/>
+        <a:p>
+          <a:endParaRPr lang="en-US"/>
+        </a:p>
+      </dgm:t>
+    </dgm:pt>
     <dgm:pt modelId="{719F9BDA-57BC-4543-B067-E9DAFAE15B71}" type="pres">
       <dgm:prSet presAssocID="{27B3148C-06F4-4AC0-B365-6BEA1BBECFB6}" presName="diagram" presStyleCnt="0">
         <dgm:presLayoutVars>
@@ -3260,7 +3321,7 @@
       <dgm:spPr/>
     </dgm:pt>
     <dgm:pt modelId="{568DACC8-2B27-4BE7-80A6-27AE85B61693}" type="pres">
-      <dgm:prSet presAssocID="{F123E0E1-00C3-4D1A-9D8B-25898941EF8C}" presName="childRect" presStyleLbl="bgAcc1" presStyleIdx="0" presStyleCnt="4">
+      <dgm:prSet presAssocID="{F123E0E1-00C3-4D1A-9D8B-25898941EF8C}" presName="childRect" presStyleLbl="bgAcc1" presStyleIdx="0" presStyleCnt="5" custLinFactNeighborX="5771" custLinFactNeighborY="-500">
         <dgm:presLayoutVars>
           <dgm:bulletEnabled val="1"/>
         </dgm:presLayoutVars>
@@ -3277,11 +3338,11 @@
       <dgm:spPr/>
     </dgm:pt>
     <dgm:pt modelId="{09E82202-C6BF-472E-A293-D63F01A1BFA0}" type="pres">
-      <dgm:prSet presAssocID="{F123E0E1-00C3-4D1A-9D8B-25898941EF8C}" presName="parentRect" presStyleLbl="alignNode1" presStyleIdx="0" presStyleCnt="4"/>
+      <dgm:prSet presAssocID="{F123E0E1-00C3-4D1A-9D8B-25898941EF8C}" presName="parentRect" presStyleLbl="alignNode1" presStyleIdx="0" presStyleCnt="5" custLinFactNeighborX="5771" custLinFactNeighborY="-1162"/>
       <dgm:spPr/>
     </dgm:pt>
     <dgm:pt modelId="{713EA0ED-EB54-4699-80DD-4DCA228F2B0A}" type="pres">
-      <dgm:prSet presAssocID="{F123E0E1-00C3-4D1A-9D8B-25898941EF8C}" presName="adorn" presStyleLbl="fgAccFollowNode1" presStyleIdx="0" presStyleCnt="4"/>
+      <dgm:prSet presAssocID="{F123E0E1-00C3-4D1A-9D8B-25898941EF8C}" presName="adorn" presStyleLbl="fgAccFollowNode1" presStyleIdx="0" presStyleCnt="5" custLinFactNeighborX="19584" custLinFactNeighborY="3643"/>
       <dgm:spPr/>
     </dgm:pt>
     <dgm:pt modelId="{EAE29509-9A0F-44E7-896C-D76C4CFC4614}" type="pres">
@@ -3293,7 +3354,7 @@
       <dgm:spPr/>
     </dgm:pt>
     <dgm:pt modelId="{0B8C67D3-6E25-4E23-AA6C-7E6D0090BE5D}" type="pres">
-      <dgm:prSet presAssocID="{A2FB618C-F0BD-4641-9FDF-F70D91416401}" presName="childRect" presStyleLbl="bgAcc1" presStyleIdx="1" presStyleCnt="4">
+      <dgm:prSet presAssocID="{A2FB618C-F0BD-4641-9FDF-F70D91416401}" presName="childRect" presStyleLbl="bgAcc1" presStyleIdx="1" presStyleCnt="5">
         <dgm:presLayoutVars>
           <dgm:bulletEnabled val="1"/>
         </dgm:presLayoutVars>
@@ -3310,11 +3371,11 @@
       <dgm:spPr/>
     </dgm:pt>
     <dgm:pt modelId="{F99B0D14-E2E9-4C60-88A5-0987D91A6563}" type="pres">
-      <dgm:prSet presAssocID="{A2FB618C-F0BD-4641-9FDF-F70D91416401}" presName="parentRect" presStyleLbl="alignNode1" presStyleIdx="1" presStyleCnt="4"/>
+      <dgm:prSet presAssocID="{A2FB618C-F0BD-4641-9FDF-F70D91416401}" presName="parentRect" presStyleLbl="alignNode1" presStyleIdx="1" presStyleCnt="5"/>
       <dgm:spPr/>
     </dgm:pt>
     <dgm:pt modelId="{A682345B-A992-48DD-8BD4-41D5FB9BDE33}" type="pres">
-      <dgm:prSet presAssocID="{A2FB618C-F0BD-4641-9FDF-F70D91416401}" presName="adorn" presStyleLbl="fgAccFollowNode1" presStyleIdx="1" presStyleCnt="4"/>
+      <dgm:prSet presAssocID="{A2FB618C-F0BD-4641-9FDF-F70D91416401}" presName="adorn" presStyleLbl="fgAccFollowNode1" presStyleIdx="1" presStyleCnt="5"/>
       <dgm:spPr/>
     </dgm:pt>
     <dgm:pt modelId="{149FA4A4-D1BA-42AF-A0A7-8BCAA6D628E8}" type="pres">
@@ -3326,7 +3387,7 @@
       <dgm:spPr/>
     </dgm:pt>
     <dgm:pt modelId="{E00C9AC6-AE47-498A-9A74-496E264891DB}" type="pres">
-      <dgm:prSet presAssocID="{2229209A-B2A6-46D6-A467-6388F3CFB22D}" presName="childRect" presStyleLbl="bgAcc1" presStyleIdx="2" presStyleCnt="4">
+      <dgm:prSet presAssocID="{2229209A-B2A6-46D6-A467-6388F3CFB22D}" presName="childRect" presStyleLbl="bgAcc1" presStyleIdx="2" presStyleCnt="5">
         <dgm:presLayoutVars>
           <dgm:bulletEnabled val="1"/>
         </dgm:presLayoutVars>
@@ -3343,11 +3404,11 @@
       <dgm:spPr/>
     </dgm:pt>
     <dgm:pt modelId="{D46DF8D2-9DDD-4487-93D7-4FE67B68E5E2}" type="pres">
-      <dgm:prSet presAssocID="{2229209A-B2A6-46D6-A467-6388F3CFB22D}" presName="parentRect" presStyleLbl="alignNode1" presStyleIdx="2" presStyleCnt="4"/>
+      <dgm:prSet presAssocID="{2229209A-B2A6-46D6-A467-6388F3CFB22D}" presName="parentRect" presStyleLbl="alignNode1" presStyleIdx="2" presStyleCnt="5"/>
       <dgm:spPr/>
     </dgm:pt>
     <dgm:pt modelId="{726FC96D-5980-4D7F-A014-9B7FEB3D4DCA}" type="pres">
-      <dgm:prSet presAssocID="{2229209A-B2A6-46D6-A467-6388F3CFB22D}" presName="adorn" presStyleLbl="fgAccFollowNode1" presStyleIdx="2" presStyleCnt="4"/>
+      <dgm:prSet presAssocID="{2229209A-B2A6-46D6-A467-6388F3CFB22D}" presName="adorn" presStyleLbl="fgAccFollowNode1" presStyleIdx="2" presStyleCnt="5"/>
       <dgm:spPr/>
     </dgm:pt>
     <dgm:pt modelId="{064628BD-BBF2-4688-A634-AFC12CFFB87F}" type="pres">
@@ -3359,7 +3420,7 @@
       <dgm:spPr/>
     </dgm:pt>
     <dgm:pt modelId="{1BDEC923-6AAA-4EE4-A095-4BC92BF0E29E}" type="pres">
-      <dgm:prSet presAssocID="{25C94859-031B-40DC-BAF5-588BC9F07C13}" presName="childRect" presStyleLbl="bgAcc1" presStyleIdx="3" presStyleCnt="4">
+      <dgm:prSet presAssocID="{25C94859-031B-40DC-BAF5-588BC9F07C13}" presName="childRect" presStyleLbl="bgAcc1" presStyleIdx="3" presStyleCnt="5">
         <dgm:presLayoutVars>
           <dgm:bulletEnabled val="1"/>
         </dgm:presLayoutVars>
@@ -3376,69 +3437,108 @@
       <dgm:spPr/>
     </dgm:pt>
     <dgm:pt modelId="{D7C3FCAF-5DCD-4BF5-B655-FC189291C4D0}" type="pres">
-      <dgm:prSet presAssocID="{25C94859-031B-40DC-BAF5-588BC9F07C13}" presName="parentRect" presStyleLbl="alignNode1" presStyleIdx="3" presStyleCnt="4"/>
+      <dgm:prSet presAssocID="{25C94859-031B-40DC-BAF5-588BC9F07C13}" presName="parentRect" presStyleLbl="alignNode1" presStyleIdx="3" presStyleCnt="5"/>
       <dgm:spPr/>
     </dgm:pt>
     <dgm:pt modelId="{15D6CC47-B989-415E-AFBE-0260609B9F7F}" type="pres">
-      <dgm:prSet presAssocID="{25C94859-031B-40DC-BAF5-588BC9F07C13}" presName="adorn" presStyleLbl="fgAccFollowNode1" presStyleIdx="3" presStyleCnt="4"/>
+      <dgm:prSet presAssocID="{25C94859-031B-40DC-BAF5-588BC9F07C13}" presName="adorn" presStyleLbl="fgAccFollowNode1" presStyleIdx="3" presStyleCnt="5"/>
+      <dgm:spPr/>
+    </dgm:pt>
+    <dgm:pt modelId="{EA22B110-CBE7-4E1C-BCE4-A0FFB665FCFD}" type="pres">
+      <dgm:prSet presAssocID="{1837675B-355D-4C84-8F6E-6B9513AE2179}" presName="sibTrans" presStyleLbl="sibTrans2D1" presStyleIdx="0" presStyleCnt="0"/>
+      <dgm:spPr/>
+    </dgm:pt>
+    <dgm:pt modelId="{418B9B10-F62D-45C6-9E32-958938083E2A}" type="pres">
+      <dgm:prSet presAssocID="{7FCA54B3-3160-475B-BDB5-8743186ECDBD}" presName="compNode" presStyleCnt="0"/>
+      <dgm:spPr/>
+    </dgm:pt>
+    <dgm:pt modelId="{9D63D868-F399-47E0-B04D-E1EF4363224B}" type="pres">
+      <dgm:prSet presAssocID="{7FCA54B3-3160-475B-BDB5-8743186ECDBD}" presName="childRect" presStyleLbl="bgAcc1" presStyleIdx="4" presStyleCnt="5">
+        <dgm:presLayoutVars>
+          <dgm:bulletEnabled val="1"/>
+        </dgm:presLayoutVars>
+      </dgm:prSet>
+      <dgm:spPr/>
+    </dgm:pt>
+    <dgm:pt modelId="{23D15C1F-F945-4AEB-A395-9ED58B03051D}" type="pres">
+      <dgm:prSet presAssocID="{7FCA54B3-3160-475B-BDB5-8743186ECDBD}" presName="parentText" presStyleLbl="node1" presStyleIdx="0" presStyleCnt="0">
+        <dgm:presLayoutVars>
+          <dgm:chMax val="0"/>
+          <dgm:bulletEnabled val="1"/>
+        </dgm:presLayoutVars>
+      </dgm:prSet>
+      <dgm:spPr/>
+    </dgm:pt>
+    <dgm:pt modelId="{38AD9FE6-3B10-4D5F-AC0B-010E0AAB2515}" type="pres">
+      <dgm:prSet presAssocID="{7FCA54B3-3160-475B-BDB5-8743186ECDBD}" presName="parentRect" presStyleLbl="alignNode1" presStyleIdx="4" presStyleCnt="5"/>
+      <dgm:spPr/>
+    </dgm:pt>
+    <dgm:pt modelId="{858B0BB1-9982-470D-9633-74CC30C0322E}" type="pres">
+      <dgm:prSet presAssocID="{7FCA54B3-3160-475B-BDB5-8743186ECDBD}" presName="adorn" presStyleLbl="fgAccFollowNode1" presStyleIdx="4" presStyleCnt="5"/>
       <dgm:spPr/>
     </dgm:pt>
   </dgm:ptLst>
   <dgm:cxnLst>
-    <dgm:cxn modelId="{16C1D46C-2530-4B35-BB41-6478BEF2F9AA}" type="presOf" srcId="{A2FB618C-F0BD-4641-9FDF-F70D91416401}" destId="{F99B0D14-E2E9-4C60-88A5-0987D91A6563}" srcOrd="1" destOrd="0" presId="urn:microsoft.com/office/officeart/2005/8/layout/bList2"/>
-    <dgm:cxn modelId="{4DCFCF87-1AF3-4686-AC30-9F0C049279DE}" type="presOf" srcId="{06DEDAA1-2CE3-4704-B51D-E7C469699CC3}" destId="{568DACC8-2B27-4BE7-80A6-27AE85B61693}" srcOrd="0" destOrd="2" presId="urn:microsoft.com/office/officeart/2005/8/layout/bList2"/>
-    <dgm:cxn modelId="{B86D54E3-47FD-4C83-894C-B4FE1F9AD517}" type="presOf" srcId="{1EB1EA77-73BA-455A-BFBA-248C0EDCC6F4}" destId="{568DACC8-2B27-4BE7-80A6-27AE85B61693}" srcOrd="0" destOrd="3" presId="urn:microsoft.com/office/officeart/2005/8/layout/bList2"/>
-    <dgm:cxn modelId="{A4E750F5-DDD6-4661-B070-A4BAF75AB2B8}" type="presOf" srcId="{F123E0E1-00C3-4D1A-9D8B-25898941EF8C}" destId="{09E82202-C6BF-472E-A293-D63F01A1BFA0}" srcOrd="1" destOrd="0" presId="urn:microsoft.com/office/officeart/2005/8/layout/bList2"/>
-    <dgm:cxn modelId="{F3E26F4C-72B3-496D-95F6-61B48F8CAE24}" srcId="{2229209A-B2A6-46D6-A467-6388F3CFB22D}" destId="{9FBF4305-3796-4839-9018-3DB479C7E735}" srcOrd="0" destOrd="0" parTransId="{408F2D0A-B450-4ADF-B4BA-FE844C0B28C2}" sibTransId="{16F3BF8E-CE85-45D9-84D9-76EDC580D6B2}"/>
-    <dgm:cxn modelId="{2A202DD8-8348-439F-9D29-1AA7F9CA7D57}" type="presOf" srcId="{2229209A-B2A6-46D6-A467-6388F3CFB22D}" destId="{7E99C2F3-17F6-456E-89C0-09AF5C5A167E}" srcOrd="0" destOrd="0" presId="urn:microsoft.com/office/officeart/2005/8/layout/bList2"/>
-    <dgm:cxn modelId="{CEFEAFA4-CDF8-4B00-9DFB-F475763741D4}" type="presOf" srcId="{8F154A43-0416-4D63-B618-A656CCAAE2D1}" destId="{568DACC8-2B27-4BE7-80A6-27AE85B61693}" srcOrd="0" destOrd="1" presId="urn:microsoft.com/office/officeart/2005/8/layout/bList2"/>
+    <dgm:cxn modelId="{F988CA06-6FF5-41FD-A382-C3BC521B378C}" srcId="{25C94859-031B-40DC-BAF5-588BC9F07C13}" destId="{BE1CDB81-2495-4298-A0CA-EE2104458D14}" srcOrd="1" destOrd="0" parTransId="{684E3A91-9A92-4BDF-9D27-ED35442022AC}" sibTransId="{4F18F167-A446-4606-992B-8E071372984A}"/>
+    <dgm:cxn modelId="{396DF70C-BF7F-4B35-821B-DC7137C1C92A}" type="presOf" srcId="{A3B0BCEE-F626-4918-B605-CB6D1A407995}" destId="{E00C9AC6-AE47-498A-9A74-496E264891DB}" srcOrd="0" destOrd="1" presId="urn:microsoft.com/office/officeart/2005/8/layout/bList2"/>
     <dgm:cxn modelId="{28F6DB1B-FA92-4903-9ED7-41D347B18169}" type="presOf" srcId="{A8D16E90-BBD2-4657-8521-D2A7DE714082}" destId="{568DACC8-2B27-4BE7-80A6-27AE85B61693}" srcOrd="0" destOrd="4" presId="urn:microsoft.com/office/officeart/2005/8/layout/bList2"/>
+    <dgm:cxn modelId="{F63EB31C-38EC-49D4-B3BD-3B694B484591}" srcId="{25C94859-031B-40DC-BAF5-588BC9F07C13}" destId="{CB2D8C7E-CB70-4514-905A-DCB1C8F32981}" srcOrd="2" destOrd="0" parTransId="{47F05860-EB0F-45C1-9992-040BBE8E3946}" sibTransId="{8E660630-E595-468D-9F9B-A4BA084338F7}"/>
+    <dgm:cxn modelId="{208B751D-4E5C-47E4-A94A-A8D610585E67}" srcId="{27B3148C-06F4-4AC0-B365-6BEA1BBECFB6}" destId="{25C94859-031B-40DC-BAF5-588BC9F07C13}" srcOrd="3" destOrd="0" parTransId="{5653AFF8-06F6-4585-B768-2C3F9326646C}" sibTransId="{1837675B-355D-4C84-8F6E-6B9513AE2179}"/>
+    <dgm:cxn modelId="{92E08822-AC75-4EC3-BB1B-E780C07297E0}" type="presOf" srcId="{E4138A46-8132-47D6-82BB-B41DAB91842E}" destId="{0B8C67D3-6E25-4E23-AA6C-7E6D0090BE5D}" srcOrd="0" destOrd="4" presId="urn:microsoft.com/office/officeart/2005/8/layout/bList2"/>
     <dgm:cxn modelId="{54451126-9B10-4828-8D22-7B26C753362E}" type="presOf" srcId="{B3898587-374B-475D-80CC-DDAA75A9EF14}" destId="{064628BD-BBF2-4688-A634-AFC12CFFB87F}" srcOrd="0" destOrd="0" presId="urn:microsoft.com/office/officeart/2005/8/layout/bList2"/>
-    <dgm:cxn modelId="{843EFCBF-0EA6-4C2A-B3D4-D12B956C261F}" srcId="{A2FB618C-F0BD-4641-9FDF-F70D91416401}" destId="{5964F62D-A6BB-45E4-A64E-D4E019232D70}" srcOrd="2" destOrd="0" parTransId="{ABF81507-2788-49AA-A724-FDBE54D7EE2F}" sibTransId="{F1621F2A-9AC6-4C2F-8EF0-DA63A7514EFC}"/>
-    <dgm:cxn modelId="{E36C619A-5588-4250-9416-B71F4897D334}" srcId="{A2FB618C-F0BD-4641-9FDF-F70D91416401}" destId="{E4138A46-8132-47D6-82BB-B41DAB91842E}" srcOrd="4" destOrd="0" parTransId="{DA3F9ADF-D1BE-4EA2-A698-4D26509CC5EA}" sibTransId="{2EC7917F-76B5-4B87-BC6D-70D1C8EF4D6E}"/>
-    <dgm:cxn modelId="{82142B46-470A-41F6-A049-F3CAB567A8F3}" srcId="{F123E0E1-00C3-4D1A-9D8B-25898941EF8C}" destId="{8F154A43-0416-4D63-B618-A656CCAAE2D1}" srcOrd="1" destOrd="0" parTransId="{8B100453-1E39-48F0-BF67-265AB12BC220}" sibTransId="{020B9A50-4F93-440F-851C-72D6DBD568B1}"/>
-    <dgm:cxn modelId="{396DF70C-BF7F-4B35-821B-DC7137C1C92A}" type="presOf" srcId="{A3B0BCEE-F626-4918-B605-CB6D1A407995}" destId="{E00C9AC6-AE47-498A-9A74-496E264891DB}" srcOrd="0" destOrd="1" presId="urn:microsoft.com/office/officeart/2005/8/layout/bList2"/>
-    <dgm:cxn modelId="{F63EB31C-38EC-49D4-B3BD-3B694B484591}" srcId="{25C94859-031B-40DC-BAF5-588BC9F07C13}" destId="{CB2D8C7E-CB70-4514-905A-DCB1C8F32981}" srcOrd="2" destOrd="0" parTransId="{47F05860-EB0F-45C1-9992-040BBE8E3946}" sibTransId="{8E660630-E595-468D-9F9B-A4BA084338F7}"/>
-    <dgm:cxn modelId="{BA674B47-C52A-4D31-93E2-5BD3F372A051}" type="presOf" srcId="{840E803B-3595-494A-8DE8-EDEF4A97A8EE}" destId="{1BDEC923-6AAA-4EE4-A095-4BC92BF0E29E}" srcOrd="0" destOrd="3" presId="urn:microsoft.com/office/officeart/2005/8/layout/bList2"/>
-    <dgm:cxn modelId="{720DC8CD-D55A-457A-A509-CB6EF3AFF89D}" srcId="{2229209A-B2A6-46D6-A467-6388F3CFB22D}" destId="{12593131-EAF1-43E1-AFD9-4FD6ED5D5EC9}" srcOrd="3" destOrd="0" parTransId="{A1660560-0816-47AA-B635-4831CA438E1C}" sibTransId="{2FF88113-5D74-4979-BC0E-A80F399ED6E3}"/>
-    <dgm:cxn modelId="{208B751D-4E5C-47E4-A94A-A8D610585E67}" srcId="{27B3148C-06F4-4AC0-B365-6BEA1BBECFB6}" destId="{25C94859-031B-40DC-BAF5-588BC9F07C13}" srcOrd="3" destOrd="0" parTransId="{5653AFF8-06F6-4585-B768-2C3F9326646C}" sibTransId="{1837675B-355D-4C84-8F6E-6B9513AE2179}"/>
-    <dgm:cxn modelId="{F61D1266-F97B-4FBB-B420-2ED91DCA7C24}" srcId="{27B3148C-06F4-4AC0-B365-6BEA1BBECFB6}" destId="{F123E0E1-00C3-4D1A-9D8B-25898941EF8C}" srcOrd="0" destOrd="0" parTransId="{9F8B5D48-1D26-4A7A-BAE7-A31351BAD99E}" sibTransId="{BAA72D3A-BC20-451D-82DC-376F7C87B4B7}"/>
-    <dgm:cxn modelId="{F5A01B7C-296F-438C-8874-600166C33B43}" srcId="{A2FB618C-F0BD-4641-9FDF-F70D91416401}" destId="{658B4FC1-63FC-48A7-91D2-F527EC860FC8}" srcOrd="1" destOrd="0" parTransId="{DAD4AFF8-4855-447B-9738-0DE9EAA5BE67}" sibTransId="{7CBDC979-2AA1-4A2D-A5C4-C37699E617E9}"/>
-    <dgm:cxn modelId="{92E08822-AC75-4EC3-BB1B-E780C07297E0}" type="presOf" srcId="{E4138A46-8132-47D6-82BB-B41DAB91842E}" destId="{0B8C67D3-6E25-4E23-AA6C-7E6D0090BE5D}" srcOrd="0" destOrd="4" presId="urn:microsoft.com/office/officeart/2005/8/layout/bList2"/>
-    <dgm:cxn modelId="{F988CA06-6FF5-41FD-A382-C3BC521B378C}" srcId="{25C94859-031B-40DC-BAF5-588BC9F07C13}" destId="{BE1CDB81-2495-4298-A0CA-EE2104458D14}" srcOrd="1" destOrd="0" parTransId="{684E3A91-9A92-4BDF-9D27-ED35442022AC}" sibTransId="{4F18F167-A446-4606-992B-8E071372984A}"/>
-    <dgm:cxn modelId="{7D59A772-993A-411B-B4B0-8D9EDB66A0D9}" type="presOf" srcId="{A2FB618C-F0BD-4641-9FDF-F70D91416401}" destId="{C50B52EB-9CE4-4C1E-8986-175EB5FEB7DE}" srcOrd="0" destOrd="0" presId="urn:microsoft.com/office/officeart/2005/8/layout/bList2"/>
-    <dgm:cxn modelId="{E63AE48F-43DB-4927-A8B6-FB42A8C2A536}" type="presOf" srcId="{EDA0F65A-5C2C-4064-8D4F-C70475BC5032}" destId="{1BDEC923-6AAA-4EE4-A095-4BC92BF0E29E}" srcOrd="0" destOrd="0" presId="urn:microsoft.com/office/officeart/2005/8/layout/bList2"/>
-    <dgm:cxn modelId="{80EBE255-AEAB-41BD-BD45-63E2B59A114D}" type="presOf" srcId="{0FF4B37B-AB3B-42F6-BD33-374D4284E400}" destId="{0B8C67D3-6E25-4E23-AA6C-7E6D0090BE5D}" srcOrd="0" destOrd="0" presId="urn:microsoft.com/office/officeart/2005/8/layout/bList2"/>
-    <dgm:cxn modelId="{5C9778C0-9DB4-408B-B6B7-D8A062CC1DC3}" type="presOf" srcId="{2229209A-B2A6-46D6-A467-6388F3CFB22D}" destId="{D46DF8D2-9DDD-4487-93D7-4FE67B68E5E2}" srcOrd="1" destOrd="0" presId="urn:microsoft.com/office/officeart/2005/8/layout/bList2"/>
     <dgm:cxn modelId="{160BDE26-D8B8-450A-8CD0-91AD944BCF39}" srcId="{F123E0E1-00C3-4D1A-9D8B-25898941EF8C}" destId="{06DEDAA1-2CE3-4704-B51D-E7C469699CC3}" srcOrd="2" destOrd="0" parTransId="{64B51E6E-85CD-4B4F-8ECD-219F7ADEDB53}" sibTransId="{E906FB5B-4E20-40FA-A455-8D5E5E8E4E70}"/>
-    <dgm:cxn modelId="{0533DF32-E9EF-409D-B1FB-337A699E2B9A}" srcId="{F123E0E1-00C3-4D1A-9D8B-25898941EF8C}" destId="{60BCD4B9-0761-430A-9896-C47F282B6468}" srcOrd="5" destOrd="0" parTransId="{B2BB3487-71A2-4B40-8360-73FFE6CDDAD1}" sibTransId="{4BC984FA-1A5B-4D9D-98D5-B79674942882}"/>
-    <dgm:cxn modelId="{2195C463-3212-402D-92A7-6AD2810FFBE7}" srcId="{F123E0E1-00C3-4D1A-9D8B-25898941EF8C}" destId="{A8D16E90-BBD2-4657-8521-D2A7DE714082}" srcOrd="4" destOrd="0" parTransId="{2790584C-22D0-42DA-B376-BAACB756E1A0}" sibTransId="{3BF58DDB-7BCA-4B01-9EC3-A93FD4B72669}"/>
-    <dgm:cxn modelId="{BA914487-6D08-4376-852A-F42F47D02416}" type="presOf" srcId="{9FBF4305-3796-4839-9018-3DB479C7E735}" destId="{E00C9AC6-AE47-498A-9A74-496E264891DB}" srcOrd="0" destOrd="0" presId="urn:microsoft.com/office/officeart/2005/8/layout/bList2"/>
-    <dgm:cxn modelId="{64004373-A097-4368-8262-D6B7416D9919}" srcId="{27B3148C-06F4-4AC0-B365-6BEA1BBECFB6}" destId="{2229209A-B2A6-46D6-A467-6388F3CFB22D}" srcOrd="2" destOrd="0" parTransId="{8D985669-66B1-4450-9847-1D4C78F7A6C0}" sibTransId="{B3898587-374B-475D-80CC-DDAA75A9EF14}"/>
-    <dgm:cxn modelId="{BB15708C-353D-482A-91F1-42B0EB2F0153}" type="presOf" srcId="{25C94859-031B-40DC-BAF5-588BC9F07C13}" destId="{D7C3FCAF-5DCD-4BF5-B655-FC189291C4D0}" srcOrd="1" destOrd="0" presId="urn:microsoft.com/office/officeart/2005/8/layout/bList2"/>
-    <dgm:cxn modelId="{9A13B398-9EDE-475C-860A-D6A8B6DBFC63}" type="presOf" srcId="{658B4FC1-63FC-48A7-91D2-F527EC860FC8}" destId="{0B8C67D3-6E25-4E23-AA6C-7E6D0090BE5D}" srcOrd="0" destOrd="1" presId="urn:microsoft.com/office/officeart/2005/8/layout/bList2"/>
-    <dgm:cxn modelId="{89028E3B-C36D-4283-B126-A3ED45B50506}" srcId="{25C94859-031B-40DC-BAF5-588BC9F07C13}" destId="{840E803B-3595-494A-8DE8-EDEF4A97A8EE}" srcOrd="3" destOrd="0" parTransId="{03729556-2BD6-4FB7-A547-78B3A986E8AB}" sibTransId="{4B2810A8-7E46-4B63-B360-BAD9BCECE42B}"/>
-    <dgm:cxn modelId="{23CE17E5-8F02-433C-A728-56D556037485}" type="presOf" srcId="{12593131-EAF1-43E1-AFD9-4FD6ED5D5EC9}" destId="{E00C9AC6-AE47-498A-9A74-496E264891DB}" srcOrd="0" destOrd="3" presId="urn:microsoft.com/office/officeart/2005/8/layout/bList2"/>
     <dgm:cxn modelId="{7415B228-C448-4A6D-9E18-4F48F1AA5AED}" srcId="{2229209A-B2A6-46D6-A467-6388F3CFB22D}" destId="{E0A1012A-2F6D-4806-93A8-2AF04BB00F8F}" srcOrd="2" destOrd="0" parTransId="{93FBD4BF-C202-4724-9A8B-517AC9194F9A}" sibTransId="{A72146E9-FD1B-4526-B44E-CFBAEF0953B8}"/>
     <dgm:cxn modelId="{9C64912C-3BBF-448E-B383-74DB9A7C1C39}" srcId="{2229209A-B2A6-46D6-A467-6388F3CFB22D}" destId="{A3B0BCEE-F626-4918-B605-CB6D1A407995}" srcOrd="1" destOrd="0" parTransId="{30D38075-CD64-4A66-8A61-E821EF169B68}" sibTransId="{96F48CE9-0997-4014-81E5-62C17EB938FA}"/>
+    <dgm:cxn modelId="{0533DF32-E9EF-409D-B1FB-337A699E2B9A}" srcId="{F123E0E1-00C3-4D1A-9D8B-25898941EF8C}" destId="{60BCD4B9-0761-430A-9896-C47F282B6468}" srcOrd="5" destOrd="0" parTransId="{B2BB3487-71A2-4B40-8360-73FFE6CDDAD1}" sibTransId="{4BC984FA-1A5B-4D9D-98D5-B79674942882}"/>
+    <dgm:cxn modelId="{89028E3B-C36D-4283-B126-A3ED45B50506}" srcId="{25C94859-031B-40DC-BAF5-588BC9F07C13}" destId="{840E803B-3595-494A-8DE8-EDEF4A97A8EE}" srcOrd="3" destOrd="0" parTransId="{03729556-2BD6-4FB7-A547-78B3A986E8AB}" sibTransId="{4B2810A8-7E46-4B63-B360-BAD9BCECE42B}"/>
+    <dgm:cxn modelId="{568DEB5D-E1DE-4B1A-94CA-4DDDAFE63825}" type="presOf" srcId="{5964F62D-A6BB-45E4-A64E-D4E019232D70}" destId="{0B8C67D3-6E25-4E23-AA6C-7E6D0090BE5D}" srcOrd="0" destOrd="2" presId="urn:microsoft.com/office/officeart/2005/8/layout/bList2"/>
+    <dgm:cxn modelId="{2195C463-3212-402D-92A7-6AD2810FFBE7}" srcId="{F123E0E1-00C3-4D1A-9D8B-25898941EF8C}" destId="{A8D16E90-BBD2-4657-8521-D2A7DE714082}" srcOrd="4" destOrd="0" parTransId="{2790584C-22D0-42DA-B376-BAACB756E1A0}" sibTransId="{3BF58DDB-7BCA-4B01-9EC3-A93FD4B72669}"/>
+    <dgm:cxn modelId="{F61D1266-F97B-4FBB-B420-2ED91DCA7C24}" srcId="{27B3148C-06F4-4AC0-B365-6BEA1BBECFB6}" destId="{F123E0E1-00C3-4D1A-9D8B-25898941EF8C}" srcOrd="0" destOrd="0" parTransId="{9F8B5D48-1D26-4A7A-BAE7-A31351BAD99E}" sibTransId="{BAA72D3A-BC20-451D-82DC-376F7C87B4B7}"/>
+    <dgm:cxn modelId="{82142B46-470A-41F6-A049-F3CAB567A8F3}" srcId="{F123E0E1-00C3-4D1A-9D8B-25898941EF8C}" destId="{8F154A43-0416-4D63-B618-A656CCAAE2D1}" srcOrd="1" destOrd="0" parTransId="{8B100453-1E39-48F0-BF67-265AB12BC220}" sibTransId="{020B9A50-4F93-440F-851C-72D6DBD568B1}"/>
+    <dgm:cxn modelId="{BA674B47-C52A-4D31-93E2-5BD3F372A051}" type="presOf" srcId="{840E803B-3595-494A-8DE8-EDEF4A97A8EE}" destId="{1BDEC923-6AAA-4EE4-A095-4BC92BF0E29E}" srcOrd="0" destOrd="3" presId="urn:microsoft.com/office/officeart/2005/8/layout/bList2"/>
+    <dgm:cxn modelId="{F3E26F4C-72B3-496D-95F6-61B48F8CAE24}" srcId="{2229209A-B2A6-46D6-A467-6388F3CFB22D}" destId="{9FBF4305-3796-4839-9018-3DB479C7E735}" srcOrd="0" destOrd="0" parTransId="{408F2D0A-B450-4ADF-B4BA-FE844C0B28C2}" sibTransId="{16F3BF8E-CE85-45D9-84D9-76EDC580D6B2}"/>
+    <dgm:cxn modelId="{16C1D46C-2530-4B35-BB41-6478BEF2F9AA}" type="presOf" srcId="{A2FB618C-F0BD-4641-9FDF-F70D91416401}" destId="{F99B0D14-E2E9-4C60-88A5-0987D91A6563}" srcOrd="1" destOrd="0" presId="urn:microsoft.com/office/officeart/2005/8/layout/bList2"/>
+    <dgm:cxn modelId="{F6435B6F-42FC-49D5-93C4-414856F17731}" type="presOf" srcId="{7FCA54B3-3160-475B-BDB5-8743186ECDBD}" destId="{38AD9FE6-3B10-4D5F-AC0B-010E0AAB2515}" srcOrd="1" destOrd="0" presId="urn:microsoft.com/office/officeart/2005/8/layout/bList2"/>
+    <dgm:cxn modelId="{7D59A772-993A-411B-B4B0-8D9EDB66A0D9}" type="presOf" srcId="{A2FB618C-F0BD-4641-9FDF-F70D91416401}" destId="{C50B52EB-9CE4-4C1E-8986-175EB5FEB7DE}" srcOrd="0" destOrd="0" presId="urn:microsoft.com/office/officeart/2005/8/layout/bList2"/>
+    <dgm:cxn modelId="{64004373-A097-4368-8262-D6B7416D9919}" srcId="{27B3148C-06F4-4AC0-B365-6BEA1BBECFB6}" destId="{2229209A-B2A6-46D6-A467-6388F3CFB22D}" srcOrd="2" destOrd="0" parTransId="{8D985669-66B1-4450-9847-1D4C78F7A6C0}" sibTransId="{B3898587-374B-475D-80CC-DDAA75A9EF14}"/>
+    <dgm:cxn modelId="{5AF2AA54-8C16-4768-BC41-3A8A50F2044D}" type="presOf" srcId="{CB2D8C7E-CB70-4514-905A-DCB1C8F32981}" destId="{1BDEC923-6AAA-4EE4-A095-4BC92BF0E29E}" srcOrd="0" destOrd="2" presId="urn:microsoft.com/office/officeart/2005/8/layout/bList2"/>
+    <dgm:cxn modelId="{B9065755-CDD2-42E3-BE82-621517420D0A}" srcId="{7FCA54B3-3160-475B-BDB5-8743186ECDBD}" destId="{C469A7B8-E576-4AEC-8079-F898C5719177}" srcOrd="0" destOrd="0" parTransId="{1CB1173D-339A-4CD2-8F15-D90F6D7CA4AF}" sibTransId="{86154913-95A8-4FFB-94C7-97440F991063}"/>
+    <dgm:cxn modelId="{80EBE255-AEAB-41BD-BD45-63E2B59A114D}" type="presOf" srcId="{0FF4B37B-AB3B-42F6-BD33-374D4284E400}" destId="{0B8C67D3-6E25-4E23-AA6C-7E6D0090BE5D}" srcOrd="0" destOrd="0" presId="urn:microsoft.com/office/officeart/2005/8/layout/bList2"/>
+    <dgm:cxn modelId="{D3F8B159-AFE1-4C8F-8A70-26BA01D2B96F}" srcId="{F123E0E1-00C3-4D1A-9D8B-25898941EF8C}" destId="{B5BC07D6-0643-46D6-8154-A3DF750BC4B8}" srcOrd="0" destOrd="0" parTransId="{7BEAF35E-B0DB-4653-951A-592E65C51D30}" sibTransId="{A8C3FBA6-4960-46CD-9DDB-71E1A5878380}"/>
+    <dgm:cxn modelId="{F5A01B7C-296F-438C-8874-600166C33B43}" srcId="{A2FB618C-F0BD-4641-9FDF-F70D91416401}" destId="{658B4FC1-63FC-48A7-91D2-F527EC860FC8}" srcOrd="1" destOrd="0" parTransId="{DAD4AFF8-4855-447B-9738-0DE9EAA5BE67}" sibTransId="{7CBDC979-2AA1-4A2D-A5C4-C37699E617E9}"/>
+    <dgm:cxn modelId="{20FFDA86-EDAC-45AA-8B37-70D006F79E97}" srcId="{27B3148C-06F4-4AC0-B365-6BEA1BBECFB6}" destId="{7FCA54B3-3160-475B-BDB5-8743186ECDBD}" srcOrd="4" destOrd="0" parTransId="{43B7C6F4-45A5-4F87-AD1E-EBEF4A0A5A48}" sibTransId="{2F7402C2-3BC6-4712-BA21-760CF86634F6}"/>
+    <dgm:cxn modelId="{BA914487-6D08-4376-852A-F42F47D02416}" type="presOf" srcId="{9FBF4305-3796-4839-9018-3DB479C7E735}" destId="{E00C9AC6-AE47-498A-9A74-496E264891DB}" srcOrd="0" destOrd="0" presId="urn:microsoft.com/office/officeart/2005/8/layout/bList2"/>
+    <dgm:cxn modelId="{4DCFCF87-1AF3-4686-AC30-9F0C049279DE}" type="presOf" srcId="{06DEDAA1-2CE3-4704-B51D-E7C469699CC3}" destId="{568DACC8-2B27-4BE7-80A6-27AE85B61693}" srcOrd="0" destOrd="2" presId="urn:microsoft.com/office/officeart/2005/8/layout/bList2"/>
+    <dgm:cxn modelId="{BB15708C-353D-482A-91F1-42B0EB2F0153}" type="presOf" srcId="{25C94859-031B-40DC-BAF5-588BC9F07C13}" destId="{D7C3FCAF-5DCD-4BF5-B655-FC189291C4D0}" srcOrd="1" destOrd="0" presId="urn:microsoft.com/office/officeart/2005/8/layout/bList2"/>
+    <dgm:cxn modelId="{5615928C-26CD-4696-AB75-14FD86D14609}" srcId="{F123E0E1-00C3-4D1A-9D8B-25898941EF8C}" destId="{1EB1EA77-73BA-455A-BFBA-248C0EDCC6F4}" srcOrd="3" destOrd="0" parTransId="{A485FC39-F7C4-4111-9CAC-D427C9C3D336}" sibTransId="{A29F5A49-6E97-4847-B35D-818A60BA7AA3}"/>
+    <dgm:cxn modelId="{11E4AC8C-F536-4B6C-BD3B-DC00686512C6}" type="presOf" srcId="{BE1CDB81-2495-4298-A0CA-EE2104458D14}" destId="{1BDEC923-6AAA-4EE4-A095-4BC92BF0E29E}" srcOrd="0" destOrd="1" presId="urn:microsoft.com/office/officeart/2005/8/layout/bList2"/>
+    <dgm:cxn modelId="{88DCCE8C-E118-4D38-9EC0-7C9C3CFA00DB}" srcId="{A2FB618C-F0BD-4641-9FDF-F70D91416401}" destId="{56840CDD-3FAA-4042-B9CB-BF90D8198700}" srcOrd="3" destOrd="0" parTransId="{C83FA7F4-BA1C-47C3-9CF4-C1C7370D4CC9}" sibTransId="{FB6211F5-F31D-4AA6-A485-8EDFFA5BB818}"/>
+    <dgm:cxn modelId="{CB5AE38D-B50B-4C8A-939A-4CCF0BB3DEFA}" type="presOf" srcId="{BAA72D3A-BC20-451D-82DC-376F7C87B4B7}" destId="{EAE29509-9A0F-44E7-896C-D76C4CFC4614}" srcOrd="0" destOrd="0" presId="urn:microsoft.com/office/officeart/2005/8/layout/bList2"/>
+    <dgm:cxn modelId="{E63AE48F-43DB-4927-A8B6-FB42A8C2A536}" type="presOf" srcId="{EDA0F65A-5C2C-4064-8D4F-C70475BC5032}" destId="{1BDEC923-6AAA-4EE4-A095-4BC92BF0E29E}" srcOrd="0" destOrd="0" presId="urn:microsoft.com/office/officeart/2005/8/layout/bList2"/>
+    <dgm:cxn modelId="{929BBD97-8AB8-4288-96F9-43C1891C9C4D}" type="presOf" srcId="{25C94859-031B-40DC-BAF5-588BC9F07C13}" destId="{B24EA57D-B022-4502-AD46-770598A81E7B}" srcOrd="0" destOrd="0" presId="urn:microsoft.com/office/officeart/2005/8/layout/bList2"/>
+    <dgm:cxn modelId="{9A13B398-9EDE-475C-860A-D6A8B6DBFC63}" type="presOf" srcId="{658B4FC1-63FC-48A7-91D2-F527EC860FC8}" destId="{0B8C67D3-6E25-4E23-AA6C-7E6D0090BE5D}" srcOrd="0" destOrd="1" presId="urn:microsoft.com/office/officeart/2005/8/layout/bList2"/>
+    <dgm:cxn modelId="{3A16B698-C865-479C-AE8E-22B39D64EBBA}" type="presOf" srcId="{1837675B-355D-4C84-8F6E-6B9513AE2179}" destId="{EA22B110-CBE7-4E1C-BCE4-A0FFB665FCFD}" srcOrd="0" destOrd="0" presId="urn:microsoft.com/office/officeart/2005/8/layout/bList2"/>
+    <dgm:cxn modelId="{E36C619A-5588-4250-9416-B71F4897D334}" srcId="{A2FB618C-F0BD-4641-9FDF-F70D91416401}" destId="{E4138A46-8132-47D6-82BB-B41DAB91842E}" srcOrd="4" destOrd="0" parTransId="{DA3F9ADF-D1BE-4EA2-A698-4D26509CC5EA}" sibTransId="{2EC7917F-76B5-4B87-BC6D-70D1C8EF4D6E}"/>
+    <dgm:cxn modelId="{CEFEAFA4-CDF8-4B00-9DFB-F475763741D4}" type="presOf" srcId="{8F154A43-0416-4D63-B618-A656CCAAE2D1}" destId="{568DACC8-2B27-4BE7-80A6-27AE85B61693}" srcOrd="0" destOrd="1" presId="urn:microsoft.com/office/officeart/2005/8/layout/bList2"/>
+    <dgm:cxn modelId="{843EFCBF-0EA6-4C2A-B3D4-D12B956C261F}" srcId="{A2FB618C-F0BD-4641-9FDF-F70D91416401}" destId="{5964F62D-A6BB-45E4-A64E-D4E019232D70}" srcOrd="2" destOrd="0" parTransId="{ABF81507-2788-49AA-A724-FDBE54D7EE2F}" sibTransId="{F1621F2A-9AC6-4C2F-8EF0-DA63A7514EFC}"/>
+    <dgm:cxn modelId="{5C9778C0-9DB4-408B-B6B7-D8A062CC1DC3}" type="presOf" srcId="{2229209A-B2A6-46D6-A467-6388F3CFB22D}" destId="{D46DF8D2-9DDD-4487-93D7-4FE67B68E5E2}" srcOrd="1" destOrd="0" presId="urn:microsoft.com/office/officeart/2005/8/layout/bList2"/>
     <dgm:cxn modelId="{D1BEE8CA-F84A-4366-828A-DD17A2E0B855}" srcId="{25C94859-031B-40DC-BAF5-588BC9F07C13}" destId="{EDA0F65A-5C2C-4064-8D4F-C70475BC5032}" srcOrd="0" destOrd="0" parTransId="{4E612AAF-C9CA-423C-9346-F0ADFC392F17}" sibTransId="{5FAE0721-9B3E-4664-A2FC-646B9D320926}"/>
-    <dgm:cxn modelId="{88DCCE8C-E118-4D38-9EC0-7C9C3CFA00DB}" srcId="{A2FB618C-F0BD-4641-9FDF-F70D91416401}" destId="{56840CDD-3FAA-4042-B9CB-BF90D8198700}" srcOrd="3" destOrd="0" parTransId="{C83FA7F4-BA1C-47C3-9CF4-C1C7370D4CC9}" sibTransId="{FB6211F5-F31D-4AA6-A485-8EDFFA5BB818}"/>
-    <dgm:cxn modelId="{5AF2AA54-8C16-4768-BC41-3A8A50F2044D}" type="presOf" srcId="{CB2D8C7E-CB70-4514-905A-DCB1C8F32981}" destId="{1BDEC923-6AAA-4EE4-A095-4BC92BF0E29E}" srcOrd="0" destOrd="2" presId="urn:microsoft.com/office/officeart/2005/8/layout/bList2"/>
-    <dgm:cxn modelId="{F4241AFC-409B-4008-AABE-CB01C01C30D2}" type="presOf" srcId="{A80A1341-9D52-4C8E-8061-B716A001C7E3}" destId="{149FA4A4-D1BA-42AF-A0A7-8BCAA6D628E8}" srcOrd="0" destOrd="0" presId="urn:microsoft.com/office/officeart/2005/8/layout/bList2"/>
-    <dgm:cxn modelId="{CB5AE38D-B50B-4C8A-939A-4CCF0BB3DEFA}" type="presOf" srcId="{BAA72D3A-BC20-451D-82DC-376F7C87B4B7}" destId="{EAE29509-9A0F-44E7-896C-D76C4CFC4614}" srcOrd="0" destOrd="0" presId="urn:microsoft.com/office/officeart/2005/8/layout/bList2"/>
-    <dgm:cxn modelId="{84E7F9E3-E96F-4351-93AB-EAF914876559}" srcId="{A2FB618C-F0BD-4641-9FDF-F70D91416401}" destId="{0FF4B37B-AB3B-42F6-BD33-374D4284E400}" srcOrd="0" destOrd="0" parTransId="{E6C351EB-9608-4916-A802-DE1EF9C16740}" sibTransId="{AAA13E4E-E5FC-4BB7-A16B-BB077D40418C}"/>
-    <dgm:cxn modelId="{11E4AC8C-F536-4B6C-BD3B-DC00686512C6}" type="presOf" srcId="{BE1CDB81-2495-4298-A0CA-EE2104458D14}" destId="{1BDEC923-6AAA-4EE4-A095-4BC92BF0E29E}" srcOrd="0" destOrd="1" presId="urn:microsoft.com/office/officeart/2005/8/layout/bList2"/>
-    <dgm:cxn modelId="{10CC2DEB-417E-4496-96AE-A5FEA301EEE8}" type="presOf" srcId="{B5BC07D6-0643-46D6-8154-A3DF750BC4B8}" destId="{568DACC8-2B27-4BE7-80A6-27AE85B61693}" srcOrd="0" destOrd="0" presId="urn:microsoft.com/office/officeart/2005/8/layout/bList2"/>
+    <dgm:cxn modelId="{720DC8CD-D55A-457A-A509-CB6EF3AFF89D}" srcId="{2229209A-B2A6-46D6-A467-6388F3CFB22D}" destId="{12593131-EAF1-43E1-AFD9-4FD6ED5D5EC9}" srcOrd="3" destOrd="0" parTransId="{A1660560-0816-47AA-B635-4831CA438E1C}" sibTransId="{2FF88113-5D74-4979-BC0E-A80F399ED6E3}"/>
+    <dgm:cxn modelId="{51875ACE-5125-4F70-9EB0-43BBE87A5C33}" type="presOf" srcId="{E0A1012A-2F6D-4806-93A8-2AF04BB00F8F}" destId="{E00C9AC6-AE47-498A-9A74-496E264891DB}" srcOrd="0" destOrd="2" presId="urn:microsoft.com/office/officeart/2005/8/layout/bList2"/>
+    <dgm:cxn modelId="{2A202DD8-8348-439F-9D29-1AA7F9CA7D57}" type="presOf" srcId="{2229209A-B2A6-46D6-A467-6388F3CFB22D}" destId="{7E99C2F3-17F6-456E-89C0-09AF5C5A167E}" srcOrd="0" destOrd="0" presId="urn:microsoft.com/office/officeart/2005/8/layout/bList2"/>
     <dgm:cxn modelId="{F90F03E0-2CC3-49E3-ADE2-D22D19A5B2EE}" type="presOf" srcId="{60BCD4B9-0761-430A-9896-C47F282B6468}" destId="{568DACC8-2B27-4BE7-80A6-27AE85B61693}" srcOrd="0" destOrd="5" presId="urn:microsoft.com/office/officeart/2005/8/layout/bList2"/>
     <dgm:cxn modelId="{95034CE2-D48D-4BAD-8AD2-56999E4B2225}" srcId="{27B3148C-06F4-4AC0-B365-6BEA1BBECFB6}" destId="{A2FB618C-F0BD-4641-9FDF-F70D91416401}" srcOrd="1" destOrd="0" parTransId="{7F6B5799-0EB7-43C9-9E38-3752AAEA3668}" sibTransId="{A80A1341-9D52-4C8E-8061-B716A001C7E3}"/>
+    <dgm:cxn modelId="{B86D54E3-47FD-4C83-894C-B4FE1F9AD517}" type="presOf" srcId="{1EB1EA77-73BA-455A-BFBA-248C0EDCC6F4}" destId="{568DACC8-2B27-4BE7-80A6-27AE85B61693}" srcOrd="0" destOrd="3" presId="urn:microsoft.com/office/officeart/2005/8/layout/bList2"/>
+    <dgm:cxn modelId="{84E7F9E3-E96F-4351-93AB-EAF914876559}" srcId="{A2FB618C-F0BD-4641-9FDF-F70D91416401}" destId="{0FF4B37B-AB3B-42F6-BD33-374D4284E400}" srcOrd="0" destOrd="0" parTransId="{E6C351EB-9608-4916-A802-DE1EF9C16740}" sibTransId="{AAA13E4E-E5FC-4BB7-A16B-BB077D40418C}"/>
+    <dgm:cxn modelId="{23CE17E5-8F02-433C-A728-56D556037485}" type="presOf" srcId="{12593131-EAF1-43E1-AFD9-4FD6ED5D5EC9}" destId="{E00C9AC6-AE47-498A-9A74-496E264891DB}" srcOrd="0" destOrd="3" presId="urn:microsoft.com/office/officeart/2005/8/layout/bList2"/>
+    <dgm:cxn modelId="{00A2C2E5-E736-4D05-B64F-158F30A07445}" type="presOf" srcId="{C469A7B8-E576-4AEC-8079-F898C5719177}" destId="{9D63D868-F399-47E0-B04D-E1EF4363224B}" srcOrd="0" destOrd="0" presId="urn:microsoft.com/office/officeart/2005/8/layout/bList2"/>
+    <dgm:cxn modelId="{2D284EE6-F2CD-494D-AAB6-8BC57132B432}" type="presOf" srcId="{7FCA54B3-3160-475B-BDB5-8743186ECDBD}" destId="{23D15C1F-F945-4AEB-A395-9ED58B03051D}" srcOrd="0" destOrd="0" presId="urn:microsoft.com/office/officeart/2005/8/layout/bList2"/>
+    <dgm:cxn modelId="{CDE48EE7-C711-4E66-90DE-52D67B995241}" type="presOf" srcId="{F123E0E1-00C3-4D1A-9D8B-25898941EF8C}" destId="{836524A5-9D4B-4FFF-95DD-C1D282CAB0DC}" srcOrd="0" destOrd="0" presId="urn:microsoft.com/office/officeart/2005/8/layout/bList2"/>
+    <dgm:cxn modelId="{A2F9DDEA-4038-4921-B262-EA58C182D703}" type="presOf" srcId="{56840CDD-3FAA-4042-B9CB-BF90D8198700}" destId="{0B8C67D3-6E25-4E23-AA6C-7E6D0090BE5D}" srcOrd="0" destOrd="3" presId="urn:microsoft.com/office/officeart/2005/8/layout/bList2"/>
+    <dgm:cxn modelId="{10CC2DEB-417E-4496-96AE-A5FEA301EEE8}" type="presOf" srcId="{B5BC07D6-0643-46D6-8154-A3DF750BC4B8}" destId="{568DACC8-2B27-4BE7-80A6-27AE85B61693}" srcOrd="0" destOrd="0" presId="urn:microsoft.com/office/officeart/2005/8/layout/bList2"/>
+    <dgm:cxn modelId="{A4E750F5-DDD6-4661-B070-A4BAF75AB2B8}" type="presOf" srcId="{F123E0E1-00C3-4D1A-9D8B-25898941EF8C}" destId="{09E82202-C6BF-472E-A293-D63F01A1BFA0}" srcOrd="1" destOrd="0" presId="urn:microsoft.com/office/officeart/2005/8/layout/bList2"/>
+    <dgm:cxn modelId="{F4241AFC-409B-4008-AABE-CB01C01C30D2}" type="presOf" srcId="{A80A1341-9D52-4C8E-8061-B716A001C7E3}" destId="{149FA4A4-D1BA-42AF-A0A7-8BCAA6D628E8}" srcOrd="0" destOrd="0" presId="urn:microsoft.com/office/officeart/2005/8/layout/bList2"/>
     <dgm:cxn modelId="{9324F1FE-A5EE-4AAF-95A3-ACC2E9750DF5}" type="presOf" srcId="{27B3148C-06F4-4AC0-B365-6BEA1BBECFB6}" destId="{719F9BDA-57BC-4543-B067-E9DAFAE15B71}" srcOrd="0" destOrd="0" presId="urn:microsoft.com/office/officeart/2005/8/layout/bList2"/>
-    <dgm:cxn modelId="{A2F9DDEA-4038-4921-B262-EA58C182D703}" type="presOf" srcId="{56840CDD-3FAA-4042-B9CB-BF90D8198700}" destId="{0B8C67D3-6E25-4E23-AA6C-7E6D0090BE5D}" srcOrd="0" destOrd="3" presId="urn:microsoft.com/office/officeart/2005/8/layout/bList2"/>
-    <dgm:cxn modelId="{568DEB5D-E1DE-4B1A-94CA-4DDDAFE63825}" type="presOf" srcId="{5964F62D-A6BB-45E4-A64E-D4E019232D70}" destId="{0B8C67D3-6E25-4E23-AA6C-7E6D0090BE5D}" srcOrd="0" destOrd="2" presId="urn:microsoft.com/office/officeart/2005/8/layout/bList2"/>
-    <dgm:cxn modelId="{51875ACE-5125-4F70-9EB0-43BBE87A5C33}" type="presOf" srcId="{E0A1012A-2F6D-4806-93A8-2AF04BB00F8F}" destId="{E00C9AC6-AE47-498A-9A74-496E264891DB}" srcOrd="0" destOrd="2" presId="urn:microsoft.com/office/officeart/2005/8/layout/bList2"/>
-    <dgm:cxn modelId="{D3F8B159-AFE1-4C8F-8A70-26BA01D2B96F}" srcId="{F123E0E1-00C3-4D1A-9D8B-25898941EF8C}" destId="{B5BC07D6-0643-46D6-8154-A3DF750BC4B8}" srcOrd="0" destOrd="0" parTransId="{7BEAF35E-B0DB-4653-951A-592E65C51D30}" sibTransId="{A8C3FBA6-4960-46CD-9DDB-71E1A5878380}"/>
-    <dgm:cxn modelId="{5615928C-26CD-4696-AB75-14FD86D14609}" srcId="{F123E0E1-00C3-4D1A-9D8B-25898941EF8C}" destId="{1EB1EA77-73BA-455A-BFBA-248C0EDCC6F4}" srcOrd="3" destOrd="0" parTransId="{A485FC39-F7C4-4111-9CAC-D427C9C3D336}" sibTransId="{A29F5A49-6E97-4847-B35D-818A60BA7AA3}"/>
-    <dgm:cxn modelId="{CDE48EE7-C711-4E66-90DE-52D67B995241}" type="presOf" srcId="{F123E0E1-00C3-4D1A-9D8B-25898941EF8C}" destId="{836524A5-9D4B-4FFF-95DD-C1D282CAB0DC}" srcOrd="0" destOrd="0" presId="urn:microsoft.com/office/officeart/2005/8/layout/bList2"/>
-    <dgm:cxn modelId="{929BBD97-8AB8-4288-96F9-43C1891C9C4D}" type="presOf" srcId="{25C94859-031B-40DC-BAF5-588BC9F07C13}" destId="{B24EA57D-B022-4502-AD46-770598A81E7B}" srcOrd="0" destOrd="0" presId="urn:microsoft.com/office/officeart/2005/8/layout/bList2"/>
     <dgm:cxn modelId="{26C20D23-BCC0-4E67-91F1-084E5A28BFA3}" type="presParOf" srcId="{719F9BDA-57BC-4543-B067-E9DAFAE15B71}" destId="{B4016B0F-5DA7-4F70-BA1C-1028A7F65316}" srcOrd="0" destOrd="0" presId="urn:microsoft.com/office/officeart/2005/8/layout/bList2"/>
     <dgm:cxn modelId="{BCC90C0C-8517-4DA2-A394-A21C7A405A1E}" type="presParOf" srcId="{B4016B0F-5DA7-4F70-BA1C-1028A7F65316}" destId="{568DACC8-2B27-4BE7-80A6-27AE85B61693}" srcOrd="0" destOrd="0" presId="urn:microsoft.com/office/officeart/2005/8/layout/bList2"/>
     <dgm:cxn modelId="{5CA3DEFD-98F0-4159-8B78-EC9DCC608FBD}" type="presParOf" srcId="{B4016B0F-5DA7-4F70-BA1C-1028A7F65316}" destId="{836524A5-9D4B-4FFF-95DD-C1D282CAB0DC}" srcOrd="1" destOrd="0" presId="urn:microsoft.com/office/officeart/2005/8/layout/bList2"/>
@@ -3462,6 +3562,12 @@
     <dgm:cxn modelId="{5B6DA0EE-365E-4C16-8273-642ECCC39E78}" type="presParOf" srcId="{F671A3A7-582B-432C-8214-D8F1F8CB2D25}" destId="{B24EA57D-B022-4502-AD46-770598A81E7B}" srcOrd="1" destOrd="0" presId="urn:microsoft.com/office/officeart/2005/8/layout/bList2"/>
     <dgm:cxn modelId="{4D71216E-165F-4614-8F3A-77EA08A3753D}" type="presParOf" srcId="{F671A3A7-582B-432C-8214-D8F1F8CB2D25}" destId="{D7C3FCAF-5DCD-4BF5-B655-FC189291C4D0}" srcOrd="2" destOrd="0" presId="urn:microsoft.com/office/officeart/2005/8/layout/bList2"/>
     <dgm:cxn modelId="{81A4D710-7AE1-4D33-9B45-6C571DC3282A}" type="presParOf" srcId="{F671A3A7-582B-432C-8214-D8F1F8CB2D25}" destId="{15D6CC47-B989-415E-AFBE-0260609B9F7F}" srcOrd="3" destOrd="0" presId="urn:microsoft.com/office/officeart/2005/8/layout/bList2"/>
+    <dgm:cxn modelId="{B7311117-61AA-4D48-9E48-ACE908CCCA26}" type="presParOf" srcId="{719F9BDA-57BC-4543-B067-E9DAFAE15B71}" destId="{EA22B110-CBE7-4E1C-BCE4-A0FFB665FCFD}" srcOrd="7" destOrd="0" presId="urn:microsoft.com/office/officeart/2005/8/layout/bList2"/>
+    <dgm:cxn modelId="{F9FD2578-44B3-478D-926A-1EE4F395C07B}" type="presParOf" srcId="{719F9BDA-57BC-4543-B067-E9DAFAE15B71}" destId="{418B9B10-F62D-45C6-9E32-958938083E2A}" srcOrd="8" destOrd="0" presId="urn:microsoft.com/office/officeart/2005/8/layout/bList2"/>
+    <dgm:cxn modelId="{C949622E-AC7D-41EB-AEAE-74F60B677D4D}" type="presParOf" srcId="{418B9B10-F62D-45C6-9E32-958938083E2A}" destId="{9D63D868-F399-47E0-B04D-E1EF4363224B}" srcOrd="0" destOrd="0" presId="urn:microsoft.com/office/officeart/2005/8/layout/bList2"/>
+    <dgm:cxn modelId="{156FE332-D28A-4827-A1B1-DFFF0B2A3E81}" type="presParOf" srcId="{418B9B10-F62D-45C6-9E32-958938083E2A}" destId="{23D15C1F-F945-4AEB-A395-9ED58B03051D}" srcOrd="1" destOrd="0" presId="urn:microsoft.com/office/officeart/2005/8/layout/bList2"/>
+    <dgm:cxn modelId="{4C62B5BC-B62E-4A1A-A9C7-0547FCE44D5F}" type="presParOf" srcId="{418B9B10-F62D-45C6-9E32-958938083E2A}" destId="{38AD9FE6-3B10-4D5F-AC0B-010E0AAB2515}" srcOrd="2" destOrd="0" presId="urn:microsoft.com/office/officeart/2005/8/layout/bList2"/>
+    <dgm:cxn modelId="{EA668621-F07E-435C-A899-B3B01C6940AC}" type="presParOf" srcId="{418B9B10-F62D-45C6-9E32-958938083E2A}" destId="{858B0BB1-9982-470D-9633-74CC30C0322E}" srcOrd="3" destOrd="0" presId="urn:microsoft.com/office/officeart/2005/8/layout/bList2"/>
   </dgm:cxnLst>
   <dgm:bg/>
   <dgm:whole/>
@@ -4665,63 +4771,63 @@
     </dgm:pt>
   </dgm:ptLst>
   <dgm:cxnLst>
+    <dgm:cxn modelId="{B3918503-373F-433C-A8E9-92639BCF4351}" srcId="{8ACBB32E-0B20-433C-BCAE-10B1C56ADAEF}" destId="{110D58ED-BDF1-45BC-AA77-6607C3BD8C86}" srcOrd="8" destOrd="0" parTransId="{F63B1DEC-E361-4F84-ABE9-D86C0203DE84}" sibTransId="{CA1D80EE-5383-45F1-AFF1-243AB59DD7FB}"/>
+    <dgm:cxn modelId="{02E14106-6AE9-4FE1-9E7A-1B1C88E8B5CF}" type="presOf" srcId="{938901F9-2688-4B51-AC89-83C35D25FA77}" destId="{E13F5E9E-497A-4563-924B-1EFBD4C689A2}" srcOrd="0" destOrd="1" presId="urn:microsoft.com/office/officeart/2005/8/layout/hList2"/>
+    <dgm:cxn modelId="{D643E511-F413-40C2-8AC7-5A77C36542CA}" srcId="{8ACBB32E-0B20-433C-BCAE-10B1C56ADAEF}" destId="{3A48857B-0754-4540-9068-1C0C7947E480}" srcOrd="11" destOrd="0" parTransId="{F42FF46B-9637-449B-9E22-8B0B94CDD81D}" sibTransId="{31438931-F97C-4DB3-8832-9FA6436C0097}"/>
+    <dgm:cxn modelId="{D688961C-4CEA-42F9-A768-6265688DB730}" type="presOf" srcId="{90FB75B4-D099-4DBE-9A91-79BAF19459BB}" destId="{442693D6-5187-454A-972B-D792DD105521}" srcOrd="0" destOrd="1" presId="urn:microsoft.com/office/officeart/2005/8/layout/hList2"/>
+    <dgm:cxn modelId="{387C2C1E-C915-439B-92D1-A39E4CD7FDAC}" type="presOf" srcId="{9E5F043B-3CA5-465C-84AC-384EA760B7D2}" destId="{FBBE8245-1787-4D51-A9AC-7B1AB4D81832}" srcOrd="0" destOrd="0" presId="urn:microsoft.com/office/officeart/2005/8/layout/hList2"/>
     <dgm:cxn modelId="{5546C621-CF3F-414F-A3E2-6DD835EF5415}" srcId="{8ACBB32E-0B20-433C-BCAE-10B1C56ADAEF}" destId="{988DA686-7619-47B7-9583-5142384C3D45}" srcOrd="0" destOrd="0" parTransId="{2639378A-11D9-400C-ACD7-B8B15B931158}" sibTransId="{7774272B-95E2-4A82-AFB0-C32CF89C40B0}"/>
-    <dgm:cxn modelId="{807A35F5-FFAC-424D-B48C-B0D636850CC4}" type="presOf" srcId="{8ACBB32E-0B20-433C-BCAE-10B1C56ADAEF}" destId="{826FB321-39F7-45E2-93FD-FB741164F76A}" srcOrd="0" destOrd="0" presId="urn:microsoft.com/office/officeart/2005/8/layout/hList2"/>
-    <dgm:cxn modelId="{521300DD-6C8A-4E14-BB33-9FA40536CD8D}" type="presOf" srcId="{2A2D9668-3C74-4674-879F-0E725B75D3BC}" destId="{028228CF-4075-417B-BA06-C6C4410CD262}" srcOrd="0" destOrd="8" presId="urn:microsoft.com/office/officeart/2005/8/layout/hList2"/>
-    <dgm:cxn modelId="{9EDF41E8-8477-4E81-90B5-133494414A4A}" srcId="{8ACBB32E-0B20-433C-BCAE-10B1C56ADAEF}" destId="{0328BEF5-883B-4D48-B43E-3EA8D5A69DEE}" srcOrd="10" destOrd="0" parTransId="{D261BE81-62EC-4233-9A58-4BF5D1D46B9C}" sibTransId="{10208167-550F-44A5-A335-8912446D3A1F}"/>
-    <dgm:cxn modelId="{1C18A3CC-1960-425B-AAEB-A48BD7788FDE}" type="presOf" srcId="{3A48857B-0754-4540-9068-1C0C7947E480}" destId="{442693D6-5187-454A-972B-D792DD105521}" srcOrd="0" destOrd="11" presId="urn:microsoft.com/office/officeart/2005/8/layout/hList2"/>
-    <dgm:cxn modelId="{402BD5F2-5476-4FAD-B389-8EECB32CA5BF}" srcId="{8ACBB32E-0B20-433C-BCAE-10B1C56ADAEF}" destId="{90FB75B4-D099-4DBE-9A91-79BAF19459BB}" srcOrd="1" destOrd="0" parTransId="{EF75B0D0-5299-4C51-9795-DD4A1140E61E}" sibTransId="{745BB882-92B8-4E61-BBE0-F5B4288ADBB5}"/>
+    <dgm:cxn modelId="{010EE329-0B80-4A02-B4CA-31E6FEA37F67}" type="presOf" srcId="{464DECBE-A442-4778-AFAE-891F298A483F}" destId="{442693D6-5187-454A-972B-D792DD105521}" srcOrd="0" destOrd="6" presId="urn:microsoft.com/office/officeart/2005/8/layout/hList2"/>
+    <dgm:cxn modelId="{F317E52B-8B02-4489-AA0B-83719E2334B3}" srcId="{F353F6BF-8461-4BAA-B805-89A7F2A621E7}" destId="{703D515D-2167-4931-896E-F502459B956A}" srcOrd="1" destOrd="0" parTransId="{0C38E07B-6A3A-4BA4-B771-1F94EF335999}" sibTransId="{87D7875B-9E77-45B5-89B8-E42D4121B361}"/>
+    <dgm:cxn modelId="{EDC2ED32-193B-4F28-849A-CA32A86A54DD}" type="presOf" srcId="{9FE463B1-077F-46E3-A22C-D033A33D04F9}" destId="{028228CF-4075-417B-BA06-C6C4410CD262}" srcOrd="0" destOrd="4" presId="urn:microsoft.com/office/officeart/2005/8/layout/hList2"/>
+    <dgm:cxn modelId="{4A5E145C-FE03-436D-9296-B42BC5B60F8F}" srcId="{F353F6BF-8461-4BAA-B805-89A7F2A621E7}" destId="{B4B09DCA-0284-42CB-98BE-7716B4CBC1C5}" srcOrd="7" destOrd="0" parTransId="{8E3DABD4-F02E-4C17-A692-EB16AD3D984D}" sibTransId="{CE3D0A73-1A80-48BF-AB37-ECDD17BE33D3}"/>
+    <dgm:cxn modelId="{AA0A9944-B645-419C-BD6F-B2A215FC7FC6}" type="presOf" srcId="{440950AA-C240-48C9-9965-7A37AD5F8BCA}" destId="{442693D6-5187-454A-972B-D792DD105521}" srcOrd="0" destOrd="3" presId="urn:microsoft.com/office/officeart/2005/8/layout/hList2"/>
+    <dgm:cxn modelId="{5AED3445-50C3-4B2D-8414-92EF466987C7}" srcId="{F353F6BF-8461-4BAA-B805-89A7F2A621E7}" destId="{721E301B-8E53-43D9-9C7E-90809D34DC9C}" srcOrd="6" destOrd="0" parTransId="{79C05EEE-50E1-4E68-93C3-2ABA44A4DAB5}" sibTransId="{32E0B6CE-C12C-4300-A6FD-C5FC71A12E17}"/>
+    <dgm:cxn modelId="{4B472748-754E-4A61-BF8F-3D316EB087C4}" srcId="{381BEF97-20C3-4E9E-A824-A8AE29CBD030}" destId="{8ACBB32E-0B20-433C-BCAE-10B1C56ADAEF}" srcOrd="1" destOrd="0" parTransId="{D987BF55-D9E2-489A-A33C-E8D8A2209915}" sibTransId="{479AA33C-CC42-4BF7-9E58-A16FB8B9965A}"/>
+    <dgm:cxn modelId="{A643174B-4559-4335-B3F2-5C68198BA65D}" srcId="{F353F6BF-8461-4BAA-B805-89A7F2A621E7}" destId="{9FE463B1-077F-46E3-A22C-D033A33D04F9}" srcOrd="4" destOrd="0" parTransId="{A7741D06-1823-4B5B-800A-1A96C7F08F54}" sibTransId="{6D316938-F986-43F7-89B4-AE117F17B618}"/>
+    <dgm:cxn modelId="{A9C35273-1DEB-419F-8CF7-EB7A915276B5}" type="presOf" srcId="{521DA234-4FE8-4F50-B41A-C81EC88A952B}" destId="{E13F5E9E-497A-4563-924B-1EFBD4C689A2}" srcOrd="0" destOrd="3" presId="urn:microsoft.com/office/officeart/2005/8/layout/hList2"/>
+    <dgm:cxn modelId="{E59B4E55-DAAB-472F-82E1-7384D8793E0C}" type="presOf" srcId="{3EBDA481-36CB-4AE9-9531-912CB4781F32}" destId="{442693D6-5187-454A-972B-D792DD105521}" srcOrd="0" destOrd="7" presId="urn:microsoft.com/office/officeart/2005/8/layout/hList2"/>
+    <dgm:cxn modelId="{24413E77-C04E-4C54-B58A-EC84CBB29966}" srcId="{8ACBB32E-0B20-433C-BCAE-10B1C56ADAEF}" destId="{637CC7D4-F086-4375-B281-B4E04554CDC5}" srcOrd="4" destOrd="0" parTransId="{C288DB6F-D2C8-41BB-91EF-BCB8451B00ED}" sibTransId="{1F724C73-F86F-4642-9D48-D638AAE1962D}"/>
     <dgm:cxn modelId="{C31C3678-C921-4DC6-9AAD-C85410B941D2}" srcId="{F353F6BF-8461-4BAA-B805-89A7F2A621E7}" destId="{85A369F0-4A29-409A-A0A7-9C84B01925EC}" srcOrd="2" destOrd="0" parTransId="{FEB8234A-3291-436E-AEF0-59CB3520CEFA}" sibTransId="{944070DF-700D-4C93-92B2-616AE36C4CAE}"/>
-    <dgm:cxn modelId="{794C55E2-FE02-4813-87D6-002CDF75ACB6}" srcId="{9E5F043B-3CA5-465C-84AC-384EA760B7D2}" destId="{938901F9-2688-4B51-AC89-83C35D25FA77}" srcOrd="1" destOrd="0" parTransId="{1A8B8A37-3C07-474F-B9C4-BC88B167749E}" sibTransId="{AB6D7715-D569-4EC3-8790-721F72514228}"/>
-    <dgm:cxn modelId="{E9C737DF-90EF-43A0-B00C-40720F808862}" type="presOf" srcId="{85A369F0-4A29-409A-A0A7-9C84B01925EC}" destId="{028228CF-4075-417B-BA06-C6C4410CD262}" srcOrd="0" destOrd="2" presId="urn:microsoft.com/office/officeart/2005/8/layout/hList2"/>
+    <dgm:cxn modelId="{1C279E79-3AE9-4BF2-A58E-6BA806DB0EDC}" srcId="{8ACBB32E-0B20-433C-BCAE-10B1C56ADAEF}" destId="{464DECBE-A442-4778-AFAE-891F298A483F}" srcOrd="6" destOrd="0" parTransId="{11F50AB7-13DE-4CFE-86C7-DE3B55137DBD}" sibTransId="{077B139B-BEFA-4003-A3CC-A22CBF8192FB}"/>
+    <dgm:cxn modelId="{A70C8A7D-9FCB-4168-99AB-7E784434372E}" type="presOf" srcId="{703D515D-2167-4931-896E-F502459B956A}" destId="{028228CF-4075-417B-BA06-C6C4410CD262}" srcOrd="0" destOrd="1" presId="urn:microsoft.com/office/officeart/2005/8/layout/hList2"/>
+    <dgm:cxn modelId="{759F1A85-9821-4B4C-AAA2-B0D09896EFFD}" type="presOf" srcId="{21747053-1FB9-4FC4-9ACF-374384284C01}" destId="{028228CF-4075-417B-BA06-C6C4410CD262}" srcOrd="0" destOrd="3" presId="urn:microsoft.com/office/officeart/2005/8/layout/hList2"/>
     <dgm:cxn modelId="{4E5A8A85-37F2-4CEC-8A75-506B1416B6F0}" srcId="{8ACBB32E-0B20-433C-BCAE-10B1C56ADAEF}" destId="{5DCFAB7E-A373-4725-AA53-79745C08823A}" srcOrd="5" destOrd="0" parTransId="{9103426A-D9BE-43BF-8165-48E857869556}" sibTransId="{21BABA6A-B9AD-4866-818D-1AEAD7340F95}"/>
-    <dgm:cxn modelId="{EDC2ED32-193B-4F28-849A-CA32A86A54DD}" type="presOf" srcId="{9FE463B1-077F-46E3-A22C-D033A33D04F9}" destId="{028228CF-4075-417B-BA06-C6C4410CD262}" srcOrd="0" destOrd="4" presId="urn:microsoft.com/office/officeart/2005/8/layout/hList2"/>
-    <dgm:cxn modelId="{D688961C-4CEA-42F9-A768-6265688DB730}" type="presOf" srcId="{90FB75B4-D099-4DBE-9A91-79BAF19459BB}" destId="{442693D6-5187-454A-972B-D792DD105521}" srcOrd="0" destOrd="1" presId="urn:microsoft.com/office/officeart/2005/8/layout/hList2"/>
-    <dgm:cxn modelId="{5AED3445-50C3-4B2D-8414-92EF466987C7}" srcId="{F353F6BF-8461-4BAA-B805-89A7F2A621E7}" destId="{721E301B-8E53-43D9-9C7E-90809D34DC9C}" srcOrd="6" destOrd="0" parTransId="{79C05EEE-50E1-4E68-93C3-2ABA44A4DAB5}" sibTransId="{32E0B6CE-C12C-4300-A6FD-C5FC71A12E17}"/>
-    <dgm:cxn modelId="{8B08FFE8-CDE8-4864-A984-6141171C88CD}" type="presOf" srcId="{5DCFAB7E-A373-4725-AA53-79745C08823A}" destId="{442693D6-5187-454A-972B-D792DD105521}" srcOrd="0" destOrd="5" presId="urn:microsoft.com/office/officeart/2005/8/layout/hList2"/>
-    <dgm:cxn modelId="{B3918503-373F-433C-A8E9-92639BCF4351}" srcId="{8ACBB32E-0B20-433C-BCAE-10B1C56ADAEF}" destId="{110D58ED-BDF1-45BC-AA77-6607C3BD8C86}" srcOrd="8" destOrd="0" parTransId="{F63B1DEC-E361-4F84-ABE9-D86C0203DE84}" sibTransId="{CA1D80EE-5383-45F1-AFF1-243AB59DD7FB}"/>
-    <dgm:cxn modelId="{4B472748-754E-4A61-BF8F-3D316EB087C4}" srcId="{381BEF97-20C3-4E9E-A824-A8AE29CBD030}" destId="{8ACBB32E-0B20-433C-BCAE-10B1C56ADAEF}" srcOrd="1" destOrd="0" parTransId="{D987BF55-D9E2-489A-A33C-E8D8A2209915}" sibTransId="{479AA33C-CC42-4BF7-9E58-A16FB8B9965A}"/>
-    <dgm:cxn modelId="{C4C33EAF-6A74-4F65-8751-B72E000E6D8C}" srcId="{F353F6BF-8461-4BAA-B805-89A7F2A621E7}" destId="{A6E0A38F-4706-4094-AA77-079C9029FD3A}" srcOrd="5" destOrd="0" parTransId="{E16114E6-2DD4-43B0-ABC0-DFB0AB849C1D}" sibTransId="{91FD72BA-A4A3-4A49-AFB7-EAFB680B9BA2}"/>
-    <dgm:cxn modelId="{9C0299E8-E4E7-4733-B70A-429C3843F541}" srcId="{9E5F043B-3CA5-465C-84AC-384EA760B7D2}" destId="{521DA234-4FE8-4F50-B41A-C81EC88A952B}" srcOrd="3" destOrd="0" parTransId="{891E464D-0A42-4E23-82A1-8C9E62090154}" sibTransId="{8A745D58-5D0D-45E8-AD21-843D1CE3D03B}"/>
-    <dgm:cxn modelId="{741A1CD9-56A3-4EC2-B609-3D29D1543381}" type="presOf" srcId="{381BEF97-20C3-4E9E-A824-A8AE29CBD030}" destId="{474F1CE8-E3DD-440E-953B-72057BF89168}" srcOrd="0" destOrd="0" presId="urn:microsoft.com/office/officeart/2005/8/layout/hList2"/>
-    <dgm:cxn modelId="{199514C3-542A-438F-A83A-5766D4713964}" type="presOf" srcId="{F0A68063-7E4E-49AC-8101-971B413BB8E4}" destId="{028228CF-4075-417B-BA06-C6C4410CD262}" srcOrd="0" destOrd="0" presId="urn:microsoft.com/office/officeart/2005/8/layout/hList2"/>
+    <dgm:cxn modelId="{3E45318D-7F46-4DCA-B265-90EBD97B21B2}" type="presOf" srcId="{A6E0A38F-4706-4094-AA77-079C9029FD3A}" destId="{028228CF-4075-417B-BA06-C6C4410CD262}" srcOrd="0" destOrd="5" presId="urn:microsoft.com/office/officeart/2005/8/layout/hList2"/>
     <dgm:cxn modelId="{F56DEB97-5CE0-4C54-A77C-8745FA00AB58}" type="presOf" srcId="{637CC7D4-F086-4375-B281-B4E04554CDC5}" destId="{442693D6-5187-454A-972B-D792DD105521}" srcOrd="0" destOrd="4" presId="urn:microsoft.com/office/officeart/2005/8/layout/hList2"/>
-    <dgm:cxn modelId="{DAD7DFB8-F02F-4139-93D0-93BFFD3ADD50}" type="presOf" srcId="{721E301B-8E53-43D9-9C7E-90809D34DC9C}" destId="{028228CF-4075-417B-BA06-C6C4410CD262}" srcOrd="0" destOrd="6" presId="urn:microsoft.com/office/officeart/2005/8/layout/hList2"/>
-    <dgm:cxn modelId="{F317E52B-8B02-4489-AA0B-83719E2334B3}" srcId="{F353F6BF-8461-4BAA-B805-89A7F2A621E7}" destId="{703D515D-2167-4931-896E-F502459B956A}" srcOrd="1" destOrd="0" parTransId="{0C38E07B-6A3A-4BA4-B771-1F94EF335999}" sibTransId="{87D7875B-9E77-45B5-89B8-E42D4121B361}"/>
-    <dgm:cxn modelId="{755BADEB-2B45-4168-A0A4-F5F4F7E14139}" type="presOf" srcId="{F353F6BF-8461-4BAA-B805-89A7F2A621E7}" destId="{86D678E1-881E-416F-A6F3-00AF27741328}" srcOrd="0" destOrd="0" presId="urn:microsoft.com/office/officeart/2005/8/layout/hList2"/>
-    <dgm:cxn modelId="{AA0A9944-B645-419C-BD6F-B2A215FC7FC6}" type="presOf" srcId="{440950AA-C240-48C9-9965-7A37AD5F8BCA}" destId="{442693D6-5187-454A-972B-D792DD105521}" srcOrd="0" destOrd="3" presId="urn:microsoft.com/office/officeart/2005/8/layout/hList2"/>
-    <dgm:cxn modelId="{0066DFFC-0CFA-458C-9923-FBD8F2E249F4}" type="presOf" srcId="{988DA686-7619-47B7-9583-5142384C3D45}" destId="{442693D6-5187-454A-972B-D792DD105521}" srcOrd="0" destOrd="0" presId="urn:microsoft.com/office/officeart/2005/8/layout/hList2"/>
-    <dgm:cxn modelId="{A9C35273-1DEB-419F-8CF7-EB7A915276B5}" type="presOf" srcId="{521DA234-4FE8-4F50-B41A-C81EC88A952B}" destId="{E13F5E9E-497A-4563-924B-1EFBD4C689A2}" srcOrd="0" destOrd="3" presId="urn:microsoft.com/office/officeart/2005/8/layout/hList2"/>
-    <dgm:cxn modelId="{E1622BA2-15FB-4069-9015-B130C3C7B586}" type="presOf" srcId="{28317B70-B24C-4B43-AC4D-0377D546C8A4}" destId="{E13F5E9E-497A-4563-924B-1EFBD4C689A2}" srcOrd="0" destOrd="0" presId="urn:microsoft.com/office/officeart/2005/8/layout/hList2"/>
-    <dgm:cxn modelId="{A643174B-4559-4335-B3F2-5C68198BA65D}" srcId="{F353F6BF-8461-4BAA-B805-89A7F2A621E7}" destId="{9FE463B1-077F-46E3-A22C-D033A33D04F9}" srcOrd="4" destOrd="0" parTransId="{A7741D06-1823-4B5B-800A-1A96C7F08F54}" sibTransId="{6D316938-F986-43F7-89B4-AE117F17B618}"/>
-    <dgm:cxn modelId="{9B9063D3-1FC2-4D58-B5C6-A1286523AEDA}" type="presOf" srcId="{110D58ED-BDF1-45BC-AA77-6607C3BD8C86}" destId="{442693D6-5187-454A-972B-D792DD105521}" srcOrd="0" destOrd="8" presId="urn:microsoft.com/office/officeart/2005/8/layout/hList2"/>
-    <dgm:cxn modelId="{C4BC78A0-1795-41E9-9EB5-0DE952944DE2}" srcId="{8ACBB32E-0B20-433C-BCAE-10B1C56ADAEF}" destId="{440950AA-C240-48C9-9965-7A37AD5F8BCA}" srcOrd="3" destOrd="0" parTransId="{91FA5A2D-CC5C-4B45-A2F3-DF9863FC1B91}" sibTransId="{E87A2A0E-0361-4A8A-B4B7-2BBC1ACD063E}"/>
-    <dgm:cxn modelId="{3E45318D-7F46-4DCA-B265-90EBD97B21B2}" type="presOf" srcId="{A6E0A38F-4706-4094-AA77-079C9029FD3A}" destId="{028228CF-4075-417B-BA06-C6C4410CD262}" srcOrd="0" destOrd="5" presId="urn:microsoft.com/office/officeart/2005/8/layout/hList2"/>
-    <dgm:cxn modelId="{D643E511-F413-40C2-8AC7-5A77C36542CA}" srcId="{8ACBB32E-0B20-433C-BCAE-10B1C56ADAEF}" destId="{3A48857B-0754-4540-9068-1C0C7947E480}" srcOrd="11" destOrd="0" parTransId="{F42FF46B-9637-449B-9E22-8B0B94CDD81D}" sibTransId="{31438931-F97C-4DB3-8832-9FA6436C0097}"/>
-    <dgm:cxn modelId="{1C279E79-3AE9-4BF2-A58E-6BA806DB0EDC}" srcId="{8ACBB32E-0B20-433C-BCAE-10B1C56ADAEF}" destId="{464DECBE-A442-4778-AFAE-891F298A483F}" srcOrd="6" destOrd="0" parTransId="{11F50AB7-13DE-4CFE-86C7-DE3B55137DBD}" sibTransId="{077B139B-BEFA-4003-A3CC-A22CBF8192FB}"/>
-    <dgm:cxn modelId="{0E1273D4-0DE5-4429-BEB7-DA23B6443EE8}" srcId="{8ACBB32E-0B20-433C-BCAE-10B1C56ADAEF}" destId="{D3A469A3-26CC-49E4-BFEB-83A5C82D20FB}" srcOrd="2" destOrd="0" parTransId="{CBFA3813-A446-44AA-B824-78FAD37E45D0}" sibTransId="{AB2F0043-3A85-4A3F-BFE1-2FB5CD8DAA76}"/>
-    <dgm:cxn modelId="{51FF5DCD-2D9E-4BAE-ADC0-6CDEEF2BCAB4}" type="presOf" srcId="{F7A8A08A-C6A8-4686-9A3C-E013CDAF343C}" destId="{442693D6-5187-454A-972B-D792DD105521}" srcOrd="0" destOrd="9" presId="urn:microsoft.com/office/officeart/2005/8/layout/hList2"/>
-    <dgm:cxn modelId="{81F271B0-F993-43D1-B1A5-598576976507}" srcId="{F353F6BF-8461-4BAA-B805-89A7F2A621E7}" destId="{F0A68063-7E4E-49AC-8101-971B413BB8E4}" srcOrd="0" destOrd="0" parTransId="{658A94CC-DD19-4C7C-9BA8-FDAA4CEEFFA2}" sibTransId="{BD39AB52-3A25-4270-B37D-84040883F721}"/>
-    <dgm:cxn modelId="{FF9CD0FC-CA9E-4618-95DF-D77E88B2930F}" type="presOf" srcId="{0328BEF5-883B-4D48-B43E-3EA8D5A69DEE}" destId="{442693D6-5187-454A-972B-D792DD105521}" srcOrd="0" destOrd="10" presId="urn:microsoft.com/office/officeart/2005/8/layout/hList2"/>
-    <dgm:cxn modelId="{A9D273D5-549D-4290-8C4B-45CA783F0224}" type="presOf" srcId="{B4B09DCA-0284-42CB-98BE-7716B4CBC1C5}" destId="{028228CF-4075-417B-BA06-C6C4410CD262}" srcOrd="0" destOrd="7" presId="urn:microsoft.com/office/officeart/2005/8/layout/hList2"/>
-    <dgm:cxn modelId="{96FC80F7-6EC5-44D4-90F0-361B81955D72}" srcId="{381BEF97-20C3-4E9E-A824-A8AE29CBD030}" destId="{F353F6BF-8461-4BAA-B805-89A7F2A621E7}" srcOrd="2" destOrd="0" parTransId="{0048BC78-8FA0-4712-9258-A6955F85455E}" sibTransId="{F0284BB1-5120-4E14-BAE1-AFFF125F704E}"/>
-    <dgm:cxn modelId="{010EE329-0B80-4A02-B4CA-31E6FEA37F67}" type="presOf" srcId="{464DECBE-A442-4778-AFAE-891F298A483F}" destId="{442693D6-5187-454A-972B-D792DD105521}" srcOrd="0" destOrd="6" presId="urn:microsoft.com/office/officeart/2005/8/layout/hList2"/>
-    <dgm:cxn modelId="{543C14E9-D599-4D3A-94D5-6E4A8888105C}" srcId="{8ACBB32E-0B20-433C-BCAE-10B1C56ADAEF}" destId="{3EBDA481-36CB-4AE9-9531-912CB4781F32}" srcOrd="7" destOrd="0" parTransId="{E94C842C-F4BB-48A7-8E51-394AFA054619}" sibTransId="{9A119E7B-4A3A-433C-BA5E-A65A5573B9BA}"/>
-    <dgm:cxn modelId="{02E14106-6AE9-4FE1-9E7A-1B1C88E8B5CF}" type="presOf" srcId="{938901F9-2688-4B51-AC89-83C35D25FA77}" destId="{E13F5E9E-497A-4563-924B-1EFBD4C689A2}" srcOrd="0" destOrd="1" presId="urn:microsoft.com/office/officeart/2005/8/layout/hList2"/>
-    <dgm:cxn modelId="{DD9D61A1-1DC2-48EB-840F-158D97092C9D}" srcId="{9E5F043B-3CA5-465C-84AC-384EA760B7D2}" destId="{76F8AFFC-AFCD-4892-9DB9-FA3DFED9EF73}" srcOrd="2" destOrd="0" parTransId="{49B96B77-700C-4A7C-8F5F-15507CEDDAD3}" sibTransId="{9B2BD8E7-B308-4ED2-8248-C97272834F7A}"/>
-    <dgm:cxn modelId="{68CF65BD-87AC-4DFA-A925-48EBF100F108}" srcId="{F353F6BF-8461-4BAA-B805-89A7F2A621E7}" destId="{21747053-1FB9-4FC4-9ACF-374384284C01}" srcOrd="3" destOrd="0" parTransId="{8AD0A894-6B50-4573-8723-DC56F73C0F81}" sibTransId="{A33722E1-92A0-4BC8-9754-24A74BAE2490}"/>
-    <dgm:cxn modelId="{4A5E145C-FE03-436D-9296-B42BC5B60F8F}" srcId="{F353F6BF-8461-4BAA-B805-89A7F2A621E7}" destId="{B4B09DCA-0284-42CB-98BE-7716B4CBC1C5}" srcOrd="7" destOrd="0" parTransId="{8E3DABD4-F02E-4C17-A692-EB16AD3D984D}" sibTransId="{CE3D0A73-1A80-48BF-AB37-ECDD17BE33D3}"/>
-    <dgm:cxn modelId="{759F1A85-9821-4B4C-AAA2-B0D09896EFFD}" type="presOf" srcId="{21747053-1FB9-4FC4-9ACF-374384284C01}" destId="{028228CF-4075-417B-BA06-C6C4410CD262}" srcOrd="0" destOrd="3" presId="urn:microsoft.com/office/officeart/2005/8/layout/hList2"/>
-    <dgm:cxn modelId="{387C2C1E-C915-439B-92D1-A39E4CD7FDAC}" type="presOf" srcId="{9E5F043B-3CA5-465C-84AC-384EA760B7D2}" destId="{FBBE8245-1787-4D51-A9AC-7B1AB4D81832}" srcOrd="0" destOrd="0" presId="urn:microsoft.com/office/officeart/2005/8/layout/hList2"/>
-    <dgm:cxn modelId="{24413E77-C04E-4C54-B58A-EC84CBB29966}" srcId="{8ACBB32E-0B20-433C-BCAE-10B1C56ADAEF}" destId="{637CC7D4-F086-4375-B281-B4E04554CDC5}" srcOrd="4" destOrd="0" parTransId="{C288DB6F-D2C8-41BB-91EF-BCB8451B00ED}" sibTransId="{1F724C73-F86F-4642-9D48-D638AAE1962D}"/>
-    <dgm:cxn modelId="{A70C8A7D-9FCB-4168-99AB-7E784434372E}" type="presOf" srcId="{703D515D-2167-4931-896E-F502459B956A}" destId="{028228CF-4075-417B-BA06-C6C4410CD262}" srcOrd="0" destOrd="1" presId="urn:microsoft.com/office/officeart/2005/8/layout/hList2"/>
-    <dgm:cxn modelId="{C39C93E6-7E9F-47F2-9C77-7750F15DD68F}" srcId="{F353F6BF-8461-4BAA-B805-89A7F2A621E7}" destId="{2A2D9668-3C74-4674-879F-0E725B75D3BC}" srcOrd="8" destOrd="0" parTransId="{88BD58BF-BDD5-4A14-AFED-B0F7BAB5662A}" sibTransId="{9D8386C4-1749-4CC2-92E6-78773A7D24BA}"/>
     <dgm:cxn modelId="{164FD698-44F4-4452-A48C-AF8A683D6332}" type="presOf" srcId="{D3A469A3-26CC-49E4-BFEB-83A5C82D20FB}" destId="{442693D6-5187-454A-972B-D792DD105521}" srcOrd="0" destOrd="2" presId="urn:microsoft.com/office/officeart/2005/8/layout/hList2"/>
     <dgm:cxn modelId="{CF257B9E-0DF0-42D8-A8D2-920287E46439}" srcId="{9E5F043B-3CA5-465C-84AC-384EA760B7D2}" destId="{28317B70-B24C-4B43-AC4D-0377D546C8A4}" srcOrd="0" destOrd="0" parTransId="{E9EA7414-ED97-4B53-A678-303C623DB0B7}" sibTransId="{7BECE596-E550-46CB-8E5B-C4E84D30C64B}"/>
+    <dgm:cxn modelId="{C4BC78A0-1795-41E9-9EB5-0DE952944DE2}" srcId="{8ACBB32E-0B20-433C-BCAE-10B1C56ADAEF}" destId="{440950AA-C240-48C9-9965-7A37AD5F8BCA}" srcOrd="3" destOrd="0" parTransId="{91FA5A2D-CC5C-4B45-A2F3-DF9863FC1B91}" sibTransId="{E87A2A0E-0361-4A8A-B4B7-2BBC1ACD063E}"/>
+    <dgm:cxn modelId="{DD9D61A1-1DC2-48EB-840F-158D97092C9D}" srcId="{9E5F043B-3CA5-465C-84AC-384EA760B7D2}" destId="{76F8AFFC-AFCD-4892-9DB9-FA3DFED9EF73}" srcOrd="2" destOrd="0" parTransId="{49B96B77-700C-4A7C-8F5F-15507CEDDAD3}" sibTransId="{9B2BD8E7-B308-4ED2-8248-C97272834F7A}"/>
+    <dgm:cxn modelId="{E1622BA2-15FB-4069-9015-B130C3C7B586}" type="presOf" srcId="{28317B70-B24C-4B43-AC4D-0377D546C8A4}" destId="{E13F5E9E-497A-4563-924B-1EFBD4C689A2}" srcOrd="0" destOrd="0" presId="urn:microsoft.com/office/officeart/2005/8/layout/hList2"/>
     <dgm:cxn modelId="{6F87CCA5-8CF9-4DB6-84CC-22669F568D4A}" srcId="{381BEF97-20C3-4E9E-A824-A8AE29CBD030}" destId="{9E5F043B-3CA5-465C-84AC-384EA760B7D2}" srcOrd="0" destOrd="0" parTransId="{5EE8855D-EBAD-4818-A055-B7C4E3776389}" sibTransId="{55B5D97E-496A-45BA-93FF-569410C1850A}"/>
-    <dgm:cxn modelId="{E59B4E55-DAAB-472F-82E1-7384D8793E0C}" type="presOf" srcId="{3EBDA481-36CB-4AE9-9531-912CB4781F32}" destId="{442693D6-5187-454A-972B-D792DD105521}" srcOrd="0" destOrd="7" presId="urn:microsoft.com/office/officeart/2005/8/layout/hList2"/>
+    <dgm:cxn modelId="{C4C33EAF-6A74-4F65-8751-B72E000E6D8C}" srcId="{F353F6BF-8461-4BAA-B805-89A7F2A621E7}" destId="{A6E0A38F-4706-4094-AA77-079C9029FD3A}" srcOrd="5" destOrd="0" parTransId="{E16114E6-2DD4-43B0-ABC0-DFB0AB849C1D}" sibTransId="{91FD72BA-A4A3-4A49-AFB7-EAFB680B9BA2}"/>
+    <dgm:cxn modelId="{81F271B0-F993-43D1-B1A5-598576976507}" srcId="{F353F6BF-8461-4BAA-B805-89A7F2A621E7}" destId="{F0A68063-7E4E-49AC-8101-971B413BB8E4}" srcOrd="0" destOrd="0" parTransId="{658A94CC-DD19-4C7C-9BA8-FDAA4CEEFFA2}" sibTransId="{BD39AB52-3A25-4270-B37D-84040883F721}"/>
+    <dgm:cxn modelId="{DAD7DFB8-F02F-4139-93D0-93BFFD3ADD50}" type="presOf" srcId="{721E301B-8E53-43D9-9C7E-90809D34DC9C}" destId="{028228CF-4075-417B-BA06-C6C4410CD262}" srcOrd="0" destOrd="6" presId="urn:microsoft.com/office/officeart/2005/8/layout/hList2"/>
+    <dgm:cxn modelId="{68CF65BD-87AC-4DFA-A925-48EBF100F108}" srcId="{F353F6BF-8461-4BAA-B805-89A7F2A621E7}" destId="{21747053-1FB9-4FC4-9ACF-374384284C01}" srcOrd="3" destOrd="0" parTransId="{8AD0A894-6B50-4573-8723-DC56F73C0F81}" sibTransId="{A33722E1-92A0-4BC8-9754-24A74BAE2490}"/>
+    <dgm:cxn modelId="{199514C3-542A-438F-A83A-5766D4713964}" type="presOf" srcId="{F0A68063-7E4E-49AC-8101-971B413BB8E4}" destId="{028228CF-4075-417B-BA06-C6C4410CD262}" srcOrd="0" destOrd="0" presId="urn:microsoft.com/office/officeart/2005/8/layout/hList2"/>
+    <dgm:cxn modelId="{1C18A3CC-1960-425B-AAEB-A48BD7788FDE}" type="presOf" srcId="{3A48857B-0754-4540-9068-1C0C7947E480}" destId="{442693D6-5187-454A-972B-D792DD105521}" srcOrd="0" destOrd="11" presId="urn:microsoft.com/office/officeart/2005/8/layout/hList2"/>
+    <dgm:cxn modelId="{51FF5DCD-2D9E-4BAE-ADC0-6CDEEF2BCAB4}" type="presOf" srcId="{F7A8A08A-C6A8-4686-9A3C-E013CDAF343C}" destId="{442693D6-5187-454A-972B-D792DD105521}" srcOrd="0" destOrd="9" presId="urn:microsoft.com/office/officeart/2005/8/layout/hList2"/>
+    <dgm:cxn modelId="{9B9063D3-1FC2-4D58-B5C6-A1286523AEDA}" type="presOf" srcId="{110D58ED-BDF1-45BC-AA77-6607C3BD8C86}" destId="{442693D6-5187-454A-972B-D792DD105521}" srcOrd="0" destOrd="8" presId="urn:microsoft.com/office/officeart/2005/8/layout/hList2"/>
+    <dgm:cxn modelId="{0E1273D4-0DE5-4429-BEB7-DA23B6443EE8}" srcId="{8ACBB32E-0B20-433C-BCAE-10B1C56ADAEF}" destId="{D3A469A3-26CC-49E4-BFEB-83A5C82D20FB}" srcOrd="2" destOrd="0" parTransId="{CBFA3813-A446-44AA-B824-78FAD37E45D0}" sibTransId="{AB2F0043-3A85-4A3F-BFE1-2FB5CD8DAA76}"/>
+    <dgm:cxn modelId="{A9D273D5-549D-4290-8C4B-45CA783F0224}" type="presOf" srcId="{B4B09DCA-0284-42CB-98BE-7716B4CBC1C5}" destId="{028228CF-4075-417B-BA06-C6C4410CD262}" srcOrd="0" destOrd="7" presId="urn:microsoft.com/office/officeart/2005/8/layout/hList2"/>
+    <dgm:cxn modelId="{741A1CD9-56A3-4EC2-B609-3D29D1543381}" type="presOf" srcId="{381BEF97-20C3-4E9E-A824-A8AE29CBD030}" destId="{474F1CE8-E3DD-440E-953B-72057BF89168}" srcOrd="0" destOrd="0" presId="urn:microsoft.com/office/officeart/2005/8/layout/hList2"/>
+    <dgm:cxn modelId="{521300DD-6C8A-4E14-BB33-9FA40536CD8D}" type="presOf" srcId="{2A2D9668-3C74-4674-879F-0E725B75D3BC}" destId="{028228CF-4075-417B-BA06-C6C4410CD262}" srcOrd="0" destOrd="8" presId="urn:microsoft.com/office/officeart/2005/8/layout/hList2"/>
+    <dgm:cxn modelId="{E9C737DF-90EF-43A0-B00C-40720F808862}" type="presOf" srcId="{85A369F0-4A29-409A-A0A7-9C84B01925EC}" destId="{028228CF-4075-417B-BA06-C6C4410CD262}" srcOrd="0" destOrd="2" presId="urn:microsoft.com/office/officeart/2005/8/layout/hList2"/>
+    <dgm:cxn modelId="{794C55E2-FE02-4813-87D6-002CDF75ACB6}" srcId="{9E5F043B-3CA5-465C-84AC-384EA760B7D2}" destId="{938901F9-2688-4B51-AC89-83C35D25FA77}" srcOrd="1" destOrd="0" parTransId="{1A8B8A37-3C07-474F-B9C4-BC88B167749E}" sibTransId="{AB6D7715-D569-4EC3-8790-721F72514228}"/>
+    <dgm:cxn modelId="{C39C93E6-7E9F-47F2-9C77-7750F15DD68F}" srcId="{F353F6BF-8461-4BAA-B805-89A7F2A621E7}" destId="{2A2D9668-3C74-4674-879F-0E725B75D3BC}" srcOrd="8" destOrd="0" parTransId="{88BD58BF-BDD5-4A14-AFED-B0F7BAB5662A}" sibTransId="{9D8386C4-1749-4CC2-92E6-78773A7D24BA}"/>
+    <dgm:cxn modelId="{9EDF41E8-8477-4E81-90B5-133494414A4A}" srcId="{8ACBB32E-0B20-433C-BCAE-10B1C56ADAEF}" destId="{0328BEF5-883B-4D48-B43E-3EA8D5A69DEE}" srcOrd="10" destOrd="0" parTransId="{D261BE81-62EC-4233-9A58-4BF5D1D46B9C}" sibTransId="{10208167-550F-44A5-A335-8912446D3A1F}"/>
+    <dgm:cxn modelId="{9C0299E8-E4E7-4733-B70A-429C3843F541}" srcId="{9E5F043B-3CA5-465C-84AC-384EA760B7D2}" destId="{521DA234-4FE8-4F50-B41A-C81EC88A952B}" srcOrd="3" destOrd="0" parTransId="{891E464D-0A42-4E23-82A1-8C9E62090154}" sibTransId="{8A745D58-5D0D-45E8-AD21-843D1CE3D03B}"/>
+    <dgm:cxn modelId="{8B08FFE8-CDE8-4864-A984-6141171C88CD}" type="presOf" srcId="{5DCFAB7E-A373-4725-AA53-79745C08823A}" destId="{442693D6-5187-454A-972B-D792DD105521}" srcOrd="0" destOrd="5" presId="urn:microsoft.com/office/officeart/2005/8/layout/hList2"/>
+    <dgm:cxn modelId="{543C14E9-D599-4D3A-94D5-6E4A8888105C}" srcId="{8ACBB32E-0B20-433C-BCAE-10B1C56ADAEF}" destId="{3EBDA481-36CB-4AE9-9531-912CB4781F32}" srcOrd="7" destOrd="0" parTransId="{E94C842C-F4BB-48A7-8E51-394AFA054619}" sibTransId="{9A119E7B-4A3A-433C-BA5E-A65A5573B9BA}"/>
+    <dgm:cxn modelId="{755BADEB-2B45-4168-A0A4-F5F4F7E14139}" type="presOf" srcId="{F353F6BF-8461-4BAA-B805-89A7F2A621E7}" destId="{86D678E1-881E-416F-A6F3-00AF27741328}" srcOrd="0" destOrd="0" presId="urn:microsoft.com/office/officeart/2005/8/layout/hList2"/>
+    <dgm:cxn modelId="{402BD5F2-5476-4FAD-B389-8EECB32CA5BF}" srcId="{8ACBB32E-0B20-433C-BCAE-10B1C56ADAEF}" destId="{90FB75B4-D099-4DBE-9A91-79BAF19459BB}" srcOrd="1" destOrd="0" parTransId="{EF75B0D0-5299-4C51-9795-DD4A1140E61E}" sibTransId="{745BB882-92B8-4E61-BBE0-F5B4288ADBB5}"/>
+    <dgm:cxn modelId="{807A35F5-FFAC-424D-B48C-B0D636850CC4}" type="presOf" srcId="{8ACBB32E-0B20-433C-BCAE-10B1C56ADAEF}" destId="{826FB321-39F7-45E2-93FD-FB741164F76A}" srcOrd="0" destOrd="0" presId="urn:microsoft.com/office/officeart/2005/8/layout/hList2"/>
+    <dgm:cxn modelId="{FFD472F7-BF50-412B-A35C-3F8D8F6981A5}" type="presOf" srcId="{76F8AFFC-AFCD-4892-9DB9-FA3DFED9EF73}" destId="{E13F5E9E-497A-4563-924B-1EFBD4C689A2}" srcOrd="0" destOrd="2" presId="urn:microsoft.com/office/officeart/2005/8/layout/hList2"/>
+    <dgm:cxn modelId="{96FC80F7-6EC5-44D4-90F0-361B81955D72}" srcId="{381BEF97-20C3-4E9E-A824-A8AE29CBD030}" destId="{F353F6BF-8461-4BAA-B805-89A7F2A621E7}" srcOrd="2" destOrd="0" parTransId="{0048BC78-8FA0-4712-9258-A6955F85455E}" sibTransId="{F0284BB1-5120-4E14-BAE1-AFFF125F704E}"/>
     <dgm:cxn modelId="{81EACEF8-A279-4172-85BD-CC38D02AAFAC}" srcId="{8ACBB32E-0B20-433C-BCAE-10B1C56ADAEF}" destId="{F7A8A08A-C6A8-4686-9A3C-E013CDAF343C}" srcOrd="9" destOrd="0" parTransId="{C8424B49-1015-4251-BB1C-E3036EF0991E}" sibTransId="{3AD8BD3E-7C50-4C89-B27F-7A0AA751138B}"/>
-    <dgm:cxn modelId="{FFD472F7-BF50-412B-A35C-3F8D8F6981A5}" type="presOf" srcId="{76F8AFFC-AFCD-4892-9DB9-FA3DFED9EF73}" destId="{E13F5E9E-497A-4563-924B-1EFBD4C689A2}" srcOrd="0" destOrd="2" presId="urn:microsoft.com/office/officeart/2005/8/layout/hList2"/>
+    <dgm:cxn modelId="{FF9CD0FC-CA9E-4618-95DF-D77E88B2930F}" type="presOf" srcId="{0328BEF5-883B-4D48-B43E-3EA8D5A69DEE}" destId="{442693D6-5187-454A-972B-D792DD105521}" srcOrd="0" destOrd="10" presId="urn:microsoft.com/office/officeart/2005/8/layout/hList2"/>
+    <dgm:cxn modelId="{0066DFFC-0CFA-458C-9923-FBD8F2E249F4}" type="presOf" srcId="{988DA686-7619-47B7-9583-5142384C3D45}" destId="{442693D6-5187-454A-972B-D792DD105521}" srcOrd="0" destOrd="0" presId="urn:microsoft.com/office/officeart/2005/8/layout/hList2"/>
     <dgm:cxn modelId="{B860803A-F09C-4C83-B7A0-37E5E65F25AF}" type="presParOf" srcId="{474F1CE8-E3DD-440E-953B-72057BF89168}" destId="{61892DE3-928E-4DE1-B5D9-0A367D889EE3}" srcOrd="0" destOrd="0" presId="urn:microsoft.com/office/officeart/2005/8/layout/hList2"/>
     <dgm:cxn modelId="{EB9A2F10-9B68-4931-8A22-705F15005BC8}" type="presParOf" srcId="{61892DE3-928E-4DE1-B5D9-0A367D889EE3}" destId="{8AE3A5D7-0866-4C73-9F06-CD84A6F19D1C}" srcOrd="0" destOrd="0" presId="urn:microsoft.com/office/officeart/2005/8/layout/hList2"/>
     <dgm:cxn modelId="{84E3CA14-4475-4457-9B89-67FEC9167681}" type="presParOf" srcId="{61892DE3-928E-4DE1-B5D9-0A367D889EE3}" destId="{E13F5E9E-497A-4563-924B-1EFBD4C689A2}" srcOrd="1" destOrd="0" presId="urn:microsoft.com/office/officeart/2005/8/layout/hList2"/>
@@ -5008,16 +5114,16 @@
     </dgm:pt>
   </dgm:ptLst>
   <dgm:cxnLst>
+    <dgm:cxn modelId="{48A96E40-2C2B-4168-B7F4-B580F40F2075}" srcId="{B6C05BEB-BD4E-4FDF-ACA4-00F51024E4AD}" destId="{98729658-54D9-40CE-BCCF-1FFD77673B6A}" srcOrd="1" destOrd="0" parTransId="{FE495D83-D724-44D1-9811-938E6777F72E}" sibTransId="{71F07774-0AE9-4986-A6FD-32E913F84DDE}"/>
+    <dgm:cxn modelId="{EC68FD5E-9D0B-4B88-B062-1FFC0D2212E4}" type="presOf" srcId="{9AFCC749-E3E9-4EC3-A255-622E57ABB07B}" destId="{29287324-5A9F-4172-ADD7-022DDF558630}" srcOrd="0" destOrd="0" presId="urn:microsoft.com/office/officeart/2008/layout/AlternatingHexagons"/>
     <dgm:cxn modelId="{777F4446-CF30-4B75-A7E4-48C23E6EAA82}" type="presOf" srcId="{71F07774-0AE9-4986-A6FD-32E913F84DDE}" destId="{84B278D3-D5D0-42B7-9CC0-4CAA1C119D19}" srcOrd="0" destOrd="0" presId="urn:microsoft.com/office/officeart/2008/layout/AlternatingHexagons"/>
-    <dgm:cxn modelId="{EC68FD5E-9D0B-4B88-B062-1FFC0D2212E4}" type="presOf" srcId="{9AFCC749-E3E9-4EC3-A255-622E57ABB07B}" destId="{29287324-5A9F-4172-ADD7-022DDF558630}" srcOrd="0" destOrd="0" presId="urn:microsoft.com/office/officeart/2008/layout/AlternatingHexagons"/>
+    <dgm:cxn modelId="{D5B09379-929F-4996-A306-F8888C75D0C8}" srcId="{B6C05BEB-BD4E-4FDF-ACA4-00F51024E4AD}" destId="{E559B5C1-BDC1-41EA-BC0A-605EB60488A7}" srcOrd="0" destOrd="0" parTransId="{B46402C6-341A-49EF-B812-AFAE360365C2}" sibTransId="{40765F78-CAE5-4584-A6ED-5D613B8A579E}"/>
     <dgm:cxn modelId="{D865425A-0476-44BC-9A32-52E00CDA10A6}" srcId="{B6C05BEB-BD4E-4FDF-ACA4-00F51024E4AD}" destId="{9AFCC749-E3E9-4EC3-A255-622E57ABB07B}" srcOrd="2" destOrd="0" parTransId="{2021713C-0F62-4F1B-B01C-6CAF1574AADE}" sibTransId="{5725F5F2-03E9-450E-9AF2-0F157D72EBFB}"/>
+    <dgm:cxn modelId="{1B2BB886-D9FC-45B2-83C3-B7C180FA4135}" type="presOf" srcId="{E559B5C1-BDC1-41EA-BC0A-605EB60488A7}" destId="{C2FF5091-8155-449A-9BF3-03EC7E1D6062}" srcOrd="0" destOrd="0" presId="urn:microsoft.com/office/officeart/2008/layout/AlternatingHexagons"/>
+    <dgm:cxn modelId="{1C04FA8D-56A4-48BB-885B-9E0A273A69B9}" type="presOf" srcId="{5725F5F2-03E9-450E-9AF2-0F157D72EBFB}" destId="{689CF4F5-C50A-460E-A278-EA49F6483DBD}" srcOrd="0" destOrd="0" presId="urn:microsoft.com/office/officeart/2008/layout/AlternatingHexagons"/>
+    <dgm:cxn modelId="{5C6BFDC9-731A-4E54-AB6B-242E6B9DFB78}" type="presOf" srcId="{98729658-54D9-40CE-BCCF-1FFD77673B6A}" destId="{E8DED9BC-B5B7-462D-89B5-93A69A916D30}" srcOrd="0" destOrd="0" presId="urn:microsoft.com/office/officeart/2008/layout/AlternatingHexagons"/>
+    <dgm:cxn modelId="{ECE4B0CF-A1BA-4B4B-9593-8124AE1AF9F6}" type="presOf" srcId="{40765F78-CAE5-4584-A6ED-5D613B8A579E}" destId="{169AA076-FC69-4B93-B5E7-EDF54184A0B3}" srcOrd="0" destOrd="0" presId="urn:microsoft.com/office/officeart/2008/layout/AlternatingHexagons"/>
     <dgm:cxn modelId="{78F6D3F5-93AA-4A44-88BC-2147F80C221C}" type="presOf" srcId="{B6C05BEB-BD4E-4FDF-ACA4-00F51024E4AD}" destId="{4E4355A3-DBEC-4EE6-BEB7-AFD1D95BC68D}" srcOrd="0" destOrd="0" presId="urn:microsoft.com/office/officeart/2008/layout/AlternatingHexagons"/>
-    <dgm:cxn modelId="{1B2BB886-D9FC-45B2-83C3-B7C180FA4135}" type="presOf" srcId="{E559B5C1-BDC1-41EA-BC0A-605EB60488A7}" destId="{C2FF5091-8155-449A-9BF3-03EC7E1D6062}" srcOrd="0" destOrd="0" presId="urn:microsoft.com/office/officeart/2008/layout/AlternatingHexagons"/>
-    <dgm:cxn modelId="{48A96E40-2C2B-4168-B7F4-B580F40F2075}" srcId="{B6C05BEB-BD4E-4FDF-ACA4-00F51024E4AD}" destId="{98729658-54D9-40CE-BCCF-1FFD77673B6A}" srcOrd="1" destOrd="0" parTransId="{FE495D83-D724-44D1-9811-938E6777F72E}" sibTransId="{71F07774-0AE9-4986-A6FD-32E913F84DDE}"/>
-    <dgm:cxn modelId="{D5B09379-929F-4996-A306-F8888C75D0C8}" srcId="{B6C05BEB-BD4E-4FDF-ACA4-00F51024E4AD}" destId="{E559B5C1-BDC1-41EA-BC0A-605EB60488A7}" srcOrd="0" destOrd="0" parTransId="{B46402C6-341A-49EF-B812-AFAE360365C2}" sibTransId="{40765F78-CAE5-4584-A6ED-5D613B8A579E}"/>
-    <dgm:cxn modelId="{5C6BFDC9-731A-4E54-AB6B-242E6B9DFB78}" type="presOf" srcId="{98729658-54D9-40CE-BCCF-1FFD77673B6A}" destId="{E8DED9BC-B5B7-462D-89B5-93A69A916D30}" srcOrd="0" destOrd="0" presId="urn:microsoft.com/office/officeart/2008/layout/AlternatingHexagons"/>
-    <dgm:cxn modelId="{1C04FA8D-56A4-48BB-885B-9E0A273A69B9}" type="presOf" srcId="{5725F5F2-03E9-450E-9AF2-0F157D72EBFB}" destId="{689CF4F5-C50A-460E-A278-EA49F6483DBD}" srcOrd="0" destOrd="0" presId="urn:microsoft.com/office/officeart/2008/layout/AlternatingHexagons"/>
-    <dgm:cxn modelId="{ECE4B0CF-A1BA-4B4B-9593-8124AE1AF9F6}" type="presOf" srcId="{40765F78-CAE5-4584-A6ED-5D613B8A579E}" destId="{169AA076-FC69-4B93-B5E7-EDF54184A0B3}" srcOrd="0" destOrd="0" presId="urn:microsoft.com/office/officeart/2008/layout/AlternatingHexagons"/>
     <dgm:cxn modelId="{78EBB6CD-2E4D-43C2-846C-122D5B0DB476}" type="presParOf" srcId="{4E4355A3-DBEC-4EE6-BEB7-AFD1D95BC68D}" destId="{510DE41E-5F95-43B5-AA75-33AD9C15AEB9}" srcOrd="0" destOrd="0" presId="urn:microsoft.com/office/officeart/2008/layout/AlternatingHexagons"/>
     <dgm:cxn modelId="{8A26AFC4-47BF-4470-84D1-68732477300C}" type="presParOf" srcId="{510DE41E-5F95-43B5-AA75-33AD9C15AEB9}" destId="{C2FF5091-8155-449A-9BF3-03EC7E1D6062}" srcOrd="0" destOrd="0" presId="urn:microsoft.com/office/officeart/2008/layout/AlternatingHexagons"/>
     <dgm:cxn modelId="{B18139CA-A021-41BB-AD96-7F3FE3BF5EC0}" type="presParOf" srcId="{510DE41E-5F95-43B5-AA75-33AD9C15AEB9}" destId="{68485517-1D79-4354-B8AB-07D75EF3401D}" srcOrd="1" destOrd="0" presId="urn:microsoft.com/office/officeart/2008/layout/AlternatingHexagons"/>
@@ -5064,8 +5170,8 @@
       </dsp:nvSpPr>
       <dsp:spPr>
         <a:xfrm>
-          <a:off x="6557" y="943015"/>
-          <a:ext cx="2325461" cy="1735907"/>
+          <a:off x="113613" y="888295"/>
+          <a:ext cx="1867380" cy="1393960"/>
         </a:xfrm>
         <a:prstGeom prst="round2SameRect">
           <a:avLst>
@@ -5108,12 +5214,12 @@
         <a:fontRef idx="minor"/>
       </dsp:style>
       <dsp:txBody>
-        <a:bodyPr spcFirstLastPara="0" vert="horz" wrap="square" lIns="19050" tIns="57150" rIns="19050" bIns="19050" numCol="1" spcCol="1270" anchor="t" anchorCtr="0">
+        <a:bodyPr spcFirstLastPara="0" vert="horz" wrap="square" lIns="15240" tIns="45720" rIns="15240" bIns="15240" numCol="1" spcCol="1270" anchor="t" anchorCtr="0">
           <a:noAutofit/>
         </a:bodyPr>
         <a:lstStyle/>
         <a:p>
-          <a:pPr marL="114300" lvl="1" indent="-114300" algn="l" defTabSz="666750">
+          <a:pPr marL="114300" lvl="1" indent="-114300" algn="l" defTabSz="533400">
             <a:lnSpc>
               <a:spcPct val="90000"/>
             </a:lnSpc>
@@ -5126,12 +5232,12 @@
             <a:buChar char="•"/>
           </a:pPr>
           <a:r>
-            <a:rPr lang="en-US" sz="1500" kern="1200" dirty="0"/>
+            <a:rPr lang="en-US" sz="1200" kern="1200" dirty="0"/>
             <a:t>Coordinator</a:t>
           </a:r>
         </a:p>
         <a:p>
-          <a:pPr marL="114300" lvl="1" indent="-114300" algn="l" defTabSz="666750">
+          <a:pPr marL="114300" lvl="1" indent="-114300" algn="l" defTabSz="533400">
             <a:lnSpc>
               <a:spcPct val="90000"/>
             </a:lnSpc>
@@ -5144,13 +5250,12 @@
             <a:buChar char="•"/>
           </a:pPr>
           <a:r>
-            <a:rPr lang="en-US" sz="1500" kern="1200" dirty="0"/>
+            <a:rPr lang="en-US" sz="1200" kern="1200" dirty="0"/>
             <a:t>Documents handler</a:t>
           </a:r>
-          <a:endParaRPr lang="en-US" sz="1500" kern="1200" dirty="0"/>
         </a:p>
         <a:p>
-          <a:pPr marL="114300" lvl="1" indent="-114300" algn="l" defTabSz="666750">
+          <a:pPr marL="114300" lvl="1" indent="-114300" algn="l" defTabSz="533400">
             <a:lnSpc>
               <a:spcPct val="90000"/>
             </a:lnSpc>
@@ -5163,13 +5268,12 @@
             <a:buChar char="•"/>
           </a:pPr>
           <a:r>
-            <a:rPr lang="en-US" sz="1500" kern="1200"/>
+            <a:rPr lang="en-US" sz="1200" kern="1200"/>
             <a:t>Java coder</a:t>
           </a:r>
-          <a:endParaRPr lang="en-US" sz="1500" kern="1200"/>
         </a:p>
         <a:p>
-          <a:pPr marL="114300" lvl="1" indent="-114300" algn="l" defTabSz="666750">
+          <a:pPr marL="114300" lvl="1" indent="-114300" algn="l" defTabSz="533400">
             <a:lnSpc>
               <a:spcPct val="90000"/>
             </a:lnSpc>
@@ -5182,13 +5286,12 @@
             <a:buChar char="•"/>
           </a:pPr>
           <a:r>
-            <a:rPr lang="en-US" sz="1500" kern="1200"/>
+            <a:rPr lang="en-US" sz="1200" kern="1200" dirty="0"/>
             <a:t>Problem Statement </a:t>
           </a:r>
-          <a:endParaRPr lang="en-US" sz="1500" kern="1200"/>
         </a:p>
         <a:p>
-          <a:pPr marL="114300" lvl="1" indent="-114300" algn="l" defTabSz="666750">
+          <a:pPr marL="114300" lvl="1" indent="-114300" algn="l" defTabSz="533400">
             <a:lnSpc>
               <a:spcPct val="90000"/>
             </a:lnSpc>
@@ -5201,12 +5304,12 @@
             <a:buChar char="•"/>
           </a:pPr>
           <a:r>
-            <a:rPr lang="en-US" sz="1500" kern="1200" dirty="0"/>
+            <a:rPr lang="en-US" sz="1200" kern="1200" dirty="0"/>
             <a:t>Requirements Traceability Matrix</a:t>
           </a:r>
         </a:p>
         <a:p>
-          <a:pPr marL="114300" lvl="1" indent="-114300" algn="l" defTabSz="666750">
+          <a:pPr marL="114300" lvl="1" indent="-114300" algn="l" defTabSz="533400">
             <a:lnSpc>
               <a:spcPct val="90000"/>
             </a:lnSpc>
@@ -5219,14 +5322,14 @@
             <a:buChar char="•"/>
           </a:pPr>
           <a:r>
-            <a:rPr lang="en-US" sz="1500" kern="1200" dirty="0"/>
+            <a:rPr lang="en-US" sz="1200" kern="1200" dirty="0"/>
             <a:t>Other</a:t>
           </a:r>
         </a:p>
       </dsp:txBody>
       <dsp:txXfrm>
-        <a:off x="47231" y="983689"/>
-        <a:ext cx="2244113" cy="1695233"/>
+        <a:off x="146275" y="920957"/>
+        <a:ext cx="1802056" cy="1361298"/>
       </dsp:txXfrm>
     </dsp:sp>
     <dsp:sp modelId="{09E82202-C6BF-472E-A293-D63F01A1BFA0}">
@@ -5236,8 +5339,8 @@
       </dsp:nvSpPr>
       <dsp:spPr>
         <a:xfrm>
-          <a:off x="6557" y="2678923"/>
-          <a:ext cx="2325461" cy="746440"/>
+          <a:off x="113613" y="2282260"/>
+          <a:ext cx="1867380" cy="599402"/>
         </a:xfrm>
         <a:prstGeom prst="rect">
           <a:avLst/>
@@ -5278,12 +5381,12 @@
         </a:fontRef>
       </dsp:style>
       <dsp:txBody>
-        <a:bodyPr spcFirstLastPara="0" vert="horz" wrap="square" lIns="106680" tIns="0" rIns="35560" bIns="0" numCol="1" spcCol="1270" anchor="ctr" anchorCtr="0">
+        <a:bodyPr spcFirstLastPara="0" vert="horz" wrap="square" lIns="83820" tIns="0" rIns="27940" bIns="0" numCol="1" spcCol="1270" anchor="ctr" anchorCtr="0">
           <a:noAutofit/>
         </a:bodyPr>
         <a:lstStyle/>
         <a:p>
-          <a:pPr marL="0" lvl="0" indent="0" algn="l" defTabSz="1244600">
+          <a:pPr marL="0" lvl="0" indent="0" algn="l" defTabSz="977900">
             <a:lnSpc>
               <a:spcPct val="90000"/>
             </a:lnSpc>
@@ -5296,14 +5399,14 @@
             <a:buNone/>
           </a:pPr>
           <a:r>
-            <a:rPr lang="en-US" sz="2800" kern="1200" dirty="0"/>
+            <a:rPr lang="en-US" sz="2200" kern="1200" dirty="0"/>
             <a:t>Mengyuan Zhu</a:t>
           </a:r>
         </a:p>
       </dsp:txBody>
       <dsp:txXfrm>
-        <a:off x="6557" y="2678923"/>
-        <a:ext cx="1637648" cy="746440"/>
+        <a:off x="113613" y="2282260"/>
+        <a:ext cx="1315057" cy="599402"/>
       </dsp:txXfrm>
     </dsp:sp>
     <dsp:sp modelId="{713EA0ED-EB54-4699-80DD-4DCA228F2B0A}">
@@ -5313,8 +5416,8 @@
       </dsp:nvSpPr>
       <dsp:spPr>
         <a:xfrm>
-          <a:off x="1709990" y="2797488"/>
-          <a:ext cx="813911" cy="813911"/>
+          <a:off x="1501727" y="2408245"/>
+          <a:ext cx="653583" cy="653583"/>
         </a:xfrm>
         <a:prstGeom prst="ellipse">
           <a:avLst/>
@@ -5364,8 +5467,8 @@
       </dsp:nvSpPr>
       <dsp:spPr>
         <a:xfrm>
-          <a:off x="2725543" y="943015"/>
-          <a:ext cx="2325461" cy="1735907"/>
+          <a:off x="2189233" y="895265"/>
+          <a:ext cx="1867380" cy="1393960"/>
         </a:xfrm>
         <a:prstGeom prst="round2SameRect">
           <a:avLst>
@@ -5408,12 +5511,12 @@
         <a:fontRef idx="minor"/>
       </dsp:style>
       <dsp:txBody>
-        <a:bodyPr spcFirstLastPara="0" vert="horz" wrap="square" lIns="19050" tIns="57150" rIns="19050" bIns="19050" numCol="1" spcCol="1270" anchor="t" anchorCtr="0">
+        <a:bodyPr spcFirstLastPara="0" vert="horz" wrap="square" lIns="15240" tIns="45720" rIns="15240" bIns="15240" numCol="1" spcCol="1270" anchor="t" anchorCtr="0">
           <a:noAutofit/>
         </a:bodyPr>
         <a:lstStyle/>
         <a:p>
-          <a:pPr marL="114300" lvl="1" indent="-114300" algn="l" defTabSz="666750">
+          <a:pPr marL="114300" lvl="1" indent="-114300" algn="l" defTabSz="533400">
             <a:lnSpc>
               <a:spcPct val="90000"/>
             </a:lnSpc>
@@ -5426,13 +5529,12 @@
             <a:buChar char="•"/>
           </a:pPr>
           <a:r>
-            <a:rPr lang="en-US" sz="1500" kern="1200"/>
+            <a:rPr lang="en-US" sz="1200" kern="1200"/>
             <a:t>Finalize code documentation</a:t>
           </a:r>
-          <a:endParaRPr lang="en-US" sz="1500" kern="1200"/>
         </a:p>
         <a:p>
-          <a:pPr marL="114300" lvl="1" indent="-114300" algn="l" defTabSz="666750">
+          <a:pPr marL="114300" lvl="1" indent="-114300" algn="l" defTabSz="533400">
             <a:lnSpc>
               <a:spcPct val="90000"/>
             </a:lnSpc>
@@ -5445,12 +5547,12 @@
             <a:buChar char="•"/>
           </a:pPr>
           <a:r>
-            <a:rPr lang="en-US" sz="1500" kern="1200" dirty="0"/>
+            <a:rPr lang="en-US" sz="1200" kern="1200" dirty="0"/>
             <a:t>Java coder</a:t>
           </a:r>
         </a:p>
         <a:p>
-          <a:pPr marL="114300" lvl="1" indent="-114300" algn="l" defTabSz="666750">
+          <a:pPr marL="114300" lvl="1" indent="-114300" algn="l" defTabSz="533400">
             <a:lnSpc>
               <a:spcPct val="90000"/>
             </a:lnSpc>
@@ -5463,12 +5565,12 @@
             <a:buChar char="•"/>
           </a:pPr>
           <a:r>
-            <a:rPr lang="en-US" sz="1500" kern="1200" dirty="0"/>
+            <a:rPr lang="en-US" sz="1200" kern="1200" dirty="0"/>
             <a:t>Requirements Traceability Matrix</a:t>
           </a:r>
         </a:p>
         <a:p>
-          <a:pPr marL="114300" lvl="1" indent="-114300" algn="l" defTabSz="666750">
+          <a:pPr marL="114300" lvl="1" indent="-114300" algn="l" defTabSz="533400">
             <a:lnSpc>
               <a:spcPct val="90000"/>
             </a:lnSpc>
@@ -5481,13 +5583,12 @@
             <a:buChar char="•"/>
           </a:pPr>
           <a:r>
-            <a:rPr lang="en-US" sz="1500" kern="1200"/>
+            <a:rPr lang="en-US" sz="1200" kern="1200"/>
             <a:t>Gannt Chart</a:t>
           </a:r>
-          <a:endParaRPr lang="en-US" sz="1500" kern="1200"/>
         </a:p>
         <a:p>
-          <a:pPr marL="114300" lvl="1" indent="-114300" algn="l" defTabSz="666750">
+          <a:pPr marL="114300" lvl="1" indent="-114300" algn="l" defTabSz="533400">
             <a:lnSpc>
               <a:spcPct val="90000"/>
             </a:lnSpc>
@@ -5500,15 +5601,14 @@
             <a:buChar char="•"/>
           </a:pPr>
           <a:r>
-            <a:rPr lang="en-US" sz="1500" kern="1200"/>
+            <a:rPr lang="en-US" sz="1200" kern="1200"/>
             <a:t>Category Interaction Diagram</a:t>
           </a:r>
-          <a:endParaRPr lang="en-US" sz="1500" kern="1200"/>
         </a:p>
       </dsp:txBody>
       <dsp:txXfrm>
-        <a:off x="2766217" y="983689"/>
-        <a:ext cx="2244113" cy="1695233"/>
+        <a:off x="2221895" y="927927"/>
+        <a:ext cx="1802056" cy="1361298"/>
       </dsp:txXfrm>
     </dsp:sp>
     <dsp:sp modelId="{F99B0D14-E2E9-4C60-88A5-0987D91A6563}">
@@ -5518,8 +5618,8 @@
       </dsp:nvSpPr>
       <dsp:spPr>
         <a:xfrm>
-          <a:off x="2725543" y="2678923"/>
-          <a:ext cx="2325461" cy="746440"/>
+          <a:off x="2189233" y="2289225"/>
+          <a:ext cx="1867380" cy="599402"/>
         </a:xfrm>
         <a:prstGeom prst="rect">
           <a:avLst/>
@@ -5560,12 +5660,12 @@
         </a:fontRef>
       </dsp:style>
       <dsp:txBody>
-        <a:bodyPr spcFirstLastPara="0" vert="horz" wrap="square" lIns="106680" tIns="0" rIns="35560" bIns="0" numCol="1" spcCol="1270" anchor="ctr" anchorCtr="0">
+        <a:bodyPr spcFirstLastPara="0" vert="horz" wrap="square" lIns="83820" tIns="0" rIns="27940" bIns="0" numCol="1" spcCol="1270" anchor="ctr" anchorCtr="0">
           <a:noAutofit/>
         </a:bodyPr>
         <a:lstStyle/>
         <a:p>
-          <a:pPr marL="0" lvl="0" indent="0" algn="l" defTabSz="1244600">
+          <a:pPr marL="0" lvl="0" indent="0" algn="l" defTabSz="977900">
             <a:lnSpc>
               <a:spcPct val="90000"/>
             </a:lnSpc>
@@ -5578,19 +5678,18 @@
             <a:buNone/>
           </a:pPr>
           <a:r>
-            <a:rPr lang="en-US" sz="2800" kern="1200" dirty="0" err="1"/>
+            <a:rPr lang="en-US" sz="2200" kern="1200" dirty="0" err="1"/>
             <a:t>Sungjae</a:t>
           </a:r>
           <a:r>
-            <a:rPr lang="en-US" sz="2800" kern="1200" dirty="0"/>
+            <a:rPr lang="en-US" sz="2200" kern="1200" dirty="0"/>
             <a:t> Kim</a:t>
           </a:r>
-          <a:endParaRPr lang="en-US" sz="2800" kern="1200" dirty="0"/>
         </a:p>
       </dsp:txBody>
       <dsp:txXfrm>
-        <a:off x="2725543" y="2678923"/>
-        <a:ext cx="1637648" cy="746440"/>
+        <a:off x="2189233" y="2289225"/>
+        <a:ext cx="1315057" cy="599402"/>
       </dsp:txXfrm>
     </dsp:sp>
     <dsp:sp modelId="{A682345B-A992-48DD-8BD4-41D5FB9BDE33}">
@@ -5600,8 +5699,8 @@
       </dsp:nvSpPr>
       <dsp:spPr>
         <a:xfrm>
-          <a:off x="4428975" y="2797488"/>
-          <a:ext cx="813911" cy="813911"/>
+          <a:off x="3557116" y="2384435"/>
+          <a:ext cx="653583" cy="653583"/>
         </a:xfrm>
         <a:prstGeom prst="ellipse">
           <a:avLst/>
@@ -5651,8 +5750,8 @@
       </dsp:nvSpPr>
       <dsp:spPr>
         <a:xfrm>
-          <a:off x="5444528" y="943015"/>
-          <a:ext cx="2325461" cy="1735907"/>
+          <a:off x="4372620" y="895265"/>
+          <a:ext cx="1867380" cy="1393960"/>
         </a:xfrm>
         <a:prstGeom prst="round2SameRect">
           <a:avLst>
@@ -5695,12 +5794,12 @@
         <a:fontRef idx="minor"/>
       </dsp:style>
       <dsp:txBody>
-        <a:bodyPr spcFirstLastPara="0" vert="horz" wrap="square" lIns="19050" tIns="57150" rIns="19050" bIns="19050" numCol="1" spcCol="1270" anchor="t" anchorCtr="0">
+        <a:bodyPr spcFirstLastPara="0" vert="horz" wrap="square" lIns="15240" tIns="45720" rIns="15240" bIns="15240" numCol="1" spcCol="1270" anchor="t" anchorCtr="0">
           <a:noAutofit/>
         </a:bodyPr>
         <a:lstStyle/>
         <a:p>
-          <a:pPr marL="114300" lvl="1" indent="-114300" algn="l" defTabSz="666750">
+          <a:pPr marL="114300" lvl="1" indent="-114300" algn="l" defTabSz="533400">
             <a:lnSpc>
               <a:spcPct val="90000"/>
             </a:lnSpc>
@@ -5713,13 +5812,12 @@
             <a:buChar char="•"/>
           </a:pPr>
           <a:r>
-            <a:rPr lang="en-US" sz="1500" kern="1200" dirty="0"/>
+            <a:rPr lang="en-US" sz="1200" kern="1200" dirty="0"/>
             <a:t>User Guide</a:t>
           </a:r>
-          <a:endParaRPr lang="en-US" sz="1500" kern="1200" dirty="0"/>
         </a:p>
         <a:p>
-          <a:pPr marL="114300" lvl="1" indent="-114300" algn="l" defTabSz="666750">
+          <a:pPr marL="114300" lvl="1" indent="-114300" algn="l" defTabSz="533400">
             <a:lnSpc>
               <a:spcPct val="90000"/>
             </a:lnSpc>
@@ -5732,12 +5830,12 @@
             <a:buChar char="•"/>
           </a:pPr>
           <a:r>
-            <a:rPr lang="en-US" sz="1500" kern="1200" dirty="0"/>
+            <a:rPr lang="en-US" sz="1200" kern="1200" dirty="0"/>
             <a:t>Function Point Cost Analysis.</a:t>
           </a:r>
         </a:p>
         <a:p>
-          <a:pPr marL="114300" lvl="1" indent="-114300" algn="l" defTabSz="666750">
+          <a:pPr marL="114300" lvl="1" indent="-114300" algn="l" defTabSz="533400">
             <a:lnSpc>
               <a:spcPct val="90000"/>
             </a:lnSpc>
@@ -5750,12 +5848,12 @@
             <a:buChar char="•"/>
           </a:pPr>
           <a:r>
-            <a:rPr lang="en-US" sz="1500" kern="1200" dirty="0"/>
+            <a:rPr lang="en-US" sz="1200" kern="1200" dirty="0"/>
             <a:t>Program tester</a:t>
           </a:r>
         </a:p>
         <a:p>
-          <a:pPr marL="114300" lvl="1" indent="-114300" algn="l" defTabSz="666750">
+          <a:pPr marL="114300" lvl="1" indent="-114300" algn="l" defTabSz="533400">
             <a:lnSpc>
               <a:spcPct val="90000"/>
             </a:lnSpc>
@@ -5768,14 +5866,14 @@
             <a:buChar char="•"/>
           </a:pPr>
           <a:r>
-            <a:rPr lang="en-US" sz="1500" kern="1200" dirty="0"/>
+            <a:rPr lang="en-US" sz="1200" kern="1200" dirty="0"/>
             <a:t>Rationale</a:t>
           </a:r>
         </a:p>
       </dsp:txBody>
       <dsp:txXfrm>
-        <a:off x="5485202" y="983689"/>
-        <a:ext cx="2244113" cy="1695233"/>
+        <a:off x="4405282" y="927927"/>
+        <a:ext cx="1802056" cy="1361298"/>
       </dsp:txXfrm>
     </dsp:sp>
     <dsp:sp modelId="{D46DF8D2-9DDD-4487-93D7-4FE67B68E5E2}">
@@ -5785,8 +5883,8 @@
       </dsp:nvSpPr>
       <dsp:spPr>
         <a:xfrm>
-          <a:off x="5444528" y="2678923"/>
-          <a:ext cx="2325461" cy="746440"/>
+          <a:off x="4372620" y="2289225"/>
+          <a:ext cx="1867380" cy="599402"/>
         </a:xfrm>
         <a:prstGeom prst="rect">
           <a:avLst/>
@@ -5827,12 +5925,12 @@
         </a:fontRef>
       </dsp:style>
       <dsp:txBody>
-        <a:bodyPr spcFirstLastPara="0" vert="horz" wrap="square" lIns="106680" tIns="0" rIns="35560" bIns="0" numCol="1" spcCol="1270" anchor="ctr" anchorCtr="0">
+        <a:bodyPr spcFirstLastPara="0" vert="horz" wrap="square" lIns="83820" tIns="0" rIns="27940" bIns="0" numCol="1" spcCol="1270" anchor="ctr" anchorCtr="0">
           <a:noAutofit/>
         </a:bodyPr>
         <a:lstStyle/>
         <a:p>
-          <a:pPr marL="0" lvl="0" indent="0" algn="l" defTabSz="1244600">
+          <a:pPr marL="0" lvl="0" indent="0" algn="l" defTabSz="977900">
             <a:lnSpc>
               <a:spcPct val="90000"/>
             </a:lnSpc>
@@ -5845,15 +5943,14 @@
             <a:buNone/>
           </a:pPr>
           <a:r>
-            <a:rPr lang="en-US" sz="2800" kern="1200" dirty="0"/>
+            <a:rPr lang="en-US" sz="2200" kern="1200" dirty="0"/>
             <a:t>Sharon Kim</a:t>
           </a:r>
-          <a:endParaRPr lang="en-US" sz="2800" kern="1200" dirty="0"/>
         </a:p>
       </dsp:txBody>
       <dsp:txXfrm>
-        <a:off x="5444528" y="2678923"/>
-        <a:ext cx="1637648" cy="746440"/>
+        <a:off x="4372620" y="2289225"/>
+        <a:ext cx="1315057" cy="599402"/>
       </dsp:txXfrm>
     </dsp:sp>
     <dsp:sp modelId="{726FC96D-5980-4D7F-A014-9B7FEB3D4DCA}">
@@ -5863,8 +5960,8 @@
       </dsp:nvSpPr>
       <dsp:spPr>
         <a:xfrm>
-          <a:off x="7147960" y="2797488"/>
-          <a:ext cx="813911" cy="813911"/>
+          <a:off x="5740502" y="2384435"/>
+          <a:ext cx="653583" cy="653583"/>
         </a:xfrm>
         <a:prstGeom prst="ellipse">
           <a:avLst/>
@@ -5914,8 +6011,8 @@
       </dsp:nvSpPr>
       <dsp:spPr>
         <a:xfrm>
-          <a:off x="8163513" y="943015"/>
-          <a:ext cx="2325461" cy="1735907"/>
+          <a:off x="6556007" y="895265"/>
+          <a:ext cx="1867380" cy="1393960"/>
         </a:xfrm>
         <a:prstGeom prst="round2SameRect">
           <a:avLst>
@@ -5958,12 +6055,12 @@
         <a:fontRef idx="minor"/>
       </dsp:style>
       <dsp:txBody>
-        <a:bodyPr spcFirstLastPara="0" vert="horz" wrap="square" lIns="19050" tIns="57150" rIns="19050" bIns="19050" numCol="1" spcCol="1270" anchor="t" anchorCtr="0">
+        <a:bodyPr spcFirstLastPara="0" vert="horz" wrap="square" lIns="15240" tIns="45720" rIns="15240" bIns="15240" numCol="1" spcCol="1270" anchor="t" anchorCtr="0">
           <a:noAutofit/>
         </a:bodyPr>
         <a:lstStyle/>
         <a:p>
-          <a:pPr marL="114300" lvl="1" indent="-114300" algn="l" defTabSz="666750">
+          <a:pPr marL="114300" lvl="1" indent="-114300" algn="l" defTabSz="533400">
             <a:lnSpc>
               <a:spcPct val="90000"/>
             </a:lnSpc>
@@ -5976,13 +6073,12 @@
             <a:buChar char="•"/>
           </a:pPr>
           <a:r>
-            <a:rPr lang="en-US" sz="1500" kern="1200" dirty="0"/>
+            <a:rPr lang="en-US" sz="1200" kern="1200" dirty="0"/>
             <a:t>Program tester</a:t>
           </a:r>
-          <a:endParaRPr lang="en-US" sz="1500" kern="1200" dirty="0"/>
         </a:p>
         <a:p>
-          <a:pPr marL="114300" lvl="1" indent="-114300" algn="l" defTabSz="666750">
+          <a:pPr marL="114300" lvl="1" indent="-114300" algn="l" defTabSz="533400">
             <a:lnSpc>
               <a:spcPct val="90000"/>
             </a:lnSpc>
@@ -5995,12 +6091,12 @@
             <a:buChar char="•"/>
           </a:pPr>
           <a:r>
-            <a:rPr lang="en-US" sz="1500" kern="1200" dirty="0"/>
+            <a:rPr lang="en-US" sz="1200" kern="1200" dirty="0"/>
             <a:t>Javadoc</a:t>
           </a:r>
         </a:p>
         <a:p>
-          <a:pPr marL="114300" lvl="1" indent="-114300" algn="l" defTabSz="666750">
+          <a:pPr marL="114300" lvl="1" indent="-114300" algn="l" defTabSz="533400">
             <a:lnSpc>
               <a:spcPct val="90000"/>
             </a:lnSpc>
@@ -6013,13 +6109,12 @@
             <a:buChar char="•"/>
           </a:pPr>
           <a:r>
-            <a:rPr lang="en-US" sz="1500" kern="1200" dirty="0"/>
+            <a:rPr lang="en-US" sz="1200" kern="1200" dirty="0"/>
             <a:t>Java coder</a:t>
           </a:r>
-          <a:endParaRPr lang="en-US" sz="1500" kern="1200" dirty="0"/>
         </a:p>
         <a:p>
-          <a:pPr marL="114300" lvl="1" indent="-114300" algn="l" defTabSz="666750">
+          <a:pPr marL="114300" lvl="1" indent="-114300" algn="l" defTabSz="533400">
             <a:lnSpc>
               <a:spcPct val="90000"/>
             </a:lnSpc>
@@ -6032,14 +6127,14 @@
             <a:buChar char="•"/>
           </a:pPr>
           <a:r>
-            <a:rPr lang="en-US" sz="1500" kern="1200" dirty="0"/>
+            <a:rPr lang="en-US" sz="1200" kern="1200" dirty="0"/>
             <a:t>Comments</a:t>
           </a:r>
         </a:p>
       </dsp:txBody>
       <dsp:txXfrm>
-        <a:off x="8204187" y="983689"/>
-        <a:ext cx="2244113" cy="1695233"/>
+        <a:off x="6588669" y="927927"/>
+        <a:ext cx="1802056" cy="1361298"/>
       </dsp:txXfrm>
     </dsp:sp>
     <dsp:sp modelId="{D7C3FCAF-5DCD-4BF5-B655-FC189291C4D0}">
@@ -6049,8 +6144,8 @@
       </dsp:nvSpPr>
       <dsp:spPr>
         <a:xfrm>
-          <a:off x="8163513" y="2678923"/>
-          <a:ext cx="2325461" cy="746440"/>
+          <a:off x="6556007" y="2289225"/>
+          <a:ext cx="1867380" cy="599402"/>
         </a:xfrm>
         <a:prstGeom prst="rect">
           <a:avLst/>
@@ -6091,12 +6186,12 @@
         </a:fontRef>
       </dsp:style>
       <dsp:txBody>
-        <a:bodyPr spcFirstLastPara="0" vert="horz" wrap="square" lIns="106680" tIns="0" rIns="35560" bIns="0" numCol="1" spcCol="1270" anchor="ctr" anchorCtr="0">
+        <a:bodyPr spcFirstLastPara="0" vert="horz" wrap="square" lIns="83820" tIns="0" rIns="27940" bIns="0" numCol="1" spcCol="1270" anchor="ctr" anchorCtr="0">
           <a:noAutofit/>
         </a:bodyPr>
         <a:lstStyle/>
         <a:p>
-          <a:pPr marL="0" lvl="0" indent="0" algn="l" defTabSz="1244600">
+          <a:pPr marL="0" lvl="0" indent="0" algn="l" defTabSz="977900">
             <a:lnSpc>
               <a:spcPct val="90000"/>
             </a:lnSpc>
@@ -6109,15 +6204,14 @@
             <a:buNone/>
           </a:pPr>
           <a:r>
-            <a:rPr lang="en-US" sz="2800" kern="1200"/>
+            <a:rPr lang="en-US" sz="2200" kern="1200"/>
             <a:t>Hyeun Kang</a:t>
           </a:r>
-          <a:endParaRPr lang="en-US" sz="2800" kern="1200"/>
         </a:p>
       </dsp:txBody>
       <dsp:txXfrm>
-        <a:off x="8163513" y="2678923"/>
-        <a:ext cx="1637648" cy="746440"/>
+        <a:off x="6556007" y="2289225"/>
+        <a:ext cx="1315057" cy="599402"/>
       </dsp:txXfrm>
     </dsp:sp>
     <dsp:sp modelId="{15D6CC47-B989-415E-AFBE-0260609B9F7F}">
@@ -6127,8 +6221,215 @@
       </dsp:nvSpPr>
       <dsp:spPr>
         <a:xfrm>
-          <a:off x="9866945" y="2797488"/>
-          <a:ext cx="813911" cy="813911"/>
+          <a:off x="7923889" y="2384435"/>
+          <a:ext cx="653583" cy="653583"/>
+        </a:xfrm>
+        <a:prstGeom prst="ellipse">
+          <a:avLst/>
+        </a:prstGeom>
+        <a:solidFill>
+          <a:schemeClr val="accent1">
+            <a:alpha val="90000"/>
+            <a:tint val="40000"/>
+            <a:hueOff val="0"/>
+            <a:satOff val="0"/>
+            <a:lumOff val="0"/>
+            <a:alphaOff val="0"/>
+          </a:schemeClr>
+        </a:solidFill>
+        <a:ln w="15875" cap="flat" cmpd="sng" algn="ctr">
+          <a:solidFill>
+            <a:schemeClr val="accent1">
+              <a:alpha val="90000"/>
+              <a:tint val="40000"/>
+              <a:hueOff val="0"/>
+              <a:satOff val="0"/>
+              <a:lumOff val="0"/>
+              <a:alphaOff val="0"/>
+            </a:schemeClr>
+          </a:solidFill>
+          <a:prstDash val="solid"/>
+        </a:ln>
+        <a:effectLst/>
+      </dsp:spPr>
+      <dsp:style>
+        <a:lnRef idx="2">
+          <a:scrgbClr r="0" g="0" b="0"/>
+        </a:lnRef>
+        <a:fillRef idx="1">
+          <a:scrgbClr r="0" g="0" b="0"/>
+        </a:fillRef>
+        <a:effectRef idx="0">
+          <a:scrgbClr r="0" g="0" b="0"/>
+        </a:effectRef>
+        <a:fontRef idx="minor"/>
+      </dsp:style>
+    </dsp:sp>
+    <dsp:sp modelId="{9D63D868-F399-47E0-B04D-E1EF4363224B}">
+      <dsp:nvSpPr>
+        <dsp:cNvPr id="0" name=""/>
+        <dsp:cNvSpPr/>
+      </dsp:nvSpPr>
+      <dsp:spPr>
+        <a:xfrm>
+          <a:off x="8739394" y="895265"/>
+          <a:ext cx="1867380" cy="1393960"/>
+        </a:xfrm>
+        <a:prstGeom prst="round2SameRect">
+          <a:avLst>
+            <a:gd name="adj1" fmla="val 8000"/>
+            <a:gd name="adj2" fmla="val 0"/>
+          </a:avLst>
+        </a:prstGeom>
+        <a:solidFill>
+          <a:schemeClr val="lt1">
+            <a:alpha val="90000"/>
+            <a:hueOff val="0"/>
+            <a:satOff val="0"/>
+            <a:lumOff val="0"/>
+            <a:alphaOff val="0"/>
+          </a:schemeClr>
+        </a:solidFill>
+        <a:ln w="15875" cap="flat" cmpd="sng" algn="ctr">
+          <a:solidFill>
+            <a:schemeClr val="accent1">
+              <a:hueOff val="0"/>
+              <a:satOff val="0"/>
+              <a:lumOff val="0"/>
+              <a:alphaOff val="0"/>
+            </a:schemeClr>
+          </a:solidFill>
+          <a:prstDash val="solid"/>
+        </a:ln>
+        <a:effectLst/>
+      </dsp:spPr>
+      <dsp:style>
+        <a:lnRef idx="2">
+          <a:scrgbClr r="0" g="0" b="0"/>
+        </a:lnRef>
+        <a:fillRef idx="1">
+          <a:scrgbClr r="0" g="0" b="0"/>
+        </a:fillRef>
+        <a:effectRef idx="0">
+          <a:scrgbClr r="0" g="0" b="0"/>
+        </a:effectRef>
+        <a:fontRef idx="minor"/>
+      </dsp:style>
+      <dsp:txBody>
+        <a:bodyPr spcFirstLastPara="0" vert="horz" wrap="square" lIns="15240" tIns="45720" rIns="15240" bIns="15240" numCol="1" spcCol="1270" anchor="t" anchorCtr="0">
+          <a:noAutofit/>
+        </a:bodyPr>
+        <a:lstStyle/>
+        <a:p>
+          <a:pPr marL="114300" lvl="1" indent="-114300" algn="l" defTabSz="533400">
+            <a:lnSpc>
+              <a:spcPct val="90000"/>
+            </a:lnSpc>
+            <a:spcBef>
+              <a:spcPct val="0"/>
+            </a:spcBef>
+            <a:spcAft>
+              <a:spcPct val="15000"/>
+            </a:spcAft>
+            <a:buChar char="•"/>
+          </a:pPr>
+          <a:r>
+            <a:rPr lang="en-US" sz="1200" kern="1200" dirty="0"/>
+            <a:t>Legacy</a:t>
+          </a:r>
+        </a:p>
+      </dsp:txBody>
+      <dsp:txXfrm>
+        <a:off x="8772056" y="927927"/>
+        <a:ext cx="1802056" cy="1361298"/>
+      </dsp:txXfrm>
+    </dsp:sp>
+    <dsp:sp modelId="{38AD9FE6-3B10-4D5F-AC0B-010E0AAB2515}">
+      <dsp:nvSpPr>
+        <dsp:cNvPr id="0" name=""/>
+        <dsp:cNvSpPr/>
+      </dsp:nvSpPr>
+      <dsp:spPr>
+        <a:xfrm>
+          <a:off x="8739394" y="2289225"/>
+          <a:ext cx="1867380" cy="599402"/>
+        </a:xfrm>
+        <a:prstGeom prst="rect">
+          <a:avLst/>
+        </a:prstGeom>
+        <a:solidFill>
+          <a:schemeClr val="accent1">
+            <a:hueOff val="0"/>
+            <a:satOff val="0"/>
+            <a:lumOff val="0"/>
+            <a:alphaOff val="0"/>
+          </a:schemeClr>
+        </a:solidFill>
+        <a:ln w="15875" cap="flat" cmpd="sng" algn="ctr">
+          <a:solidFill>
+            <a:schemeClr val="accent1">
+              <a:hueOff val="0"/>
+              <a:satOff val="0"/>
+              <a:lumOff val="0"/>
+              <a:alphaOff val="0"/>
+            </a:schemeClr>
+          </a:solidFill>
+          <a:prstDash val="solid"/>
+        </a:ln>
+        <a:effectLst/>
+      </dsp:spPr>
+      <dsp:style>
+        <a:lnRef idx="2">
+          <a:scrgbClr r="0" g="0" b="0"/>
+        </a:lnRef>
+        <a:fillRef idx="1">
+          <a:scrgbClr r="0" g="0" b="0"/>
+        </a:fillRef>
+        <a:effectRef idx="0">
+          <a:scrgbClr r="0" g="0" b="0"/>
+        </a:effectRef>
+        <a:fontRef idx="minor">
+          <a:schemeClr val="lt1"/>
+        </a:fontRef>
+      </dsp:style>
+      <dsp:txBody>
+        <a:bodyPr spcFirstLastPara="0" vert="horz" wrap="square" lIns="83820" tIns="0" rIns="27940" bIns="0" numCol="1" spcCol="1270" anchor="ctr" anchorCtr="0">
+          <a:noAutofit/>
+        </a:bodyPr>
+        <a:lstStyle/>
+        <a:p>
+          <a:pPr marL="0" lvl="0" indent="0" algn="l" defTabSz="977900">
+            <a:lnSpc>
+              <a:spcPct val="90000"/>
+            </a:lnSpc>
+            <a:spcBef>
+              <a:spcPct val="0"/>
+            </a:spcBef>
+            <a:spcAft>
+              <a:spcPct val="35000"/>
+            </a:spcAft>
+            <a:buNone/>
+          </a:pPr>
+          <a:r>
+            <a:rPr lang="en-US" sz="2200" kern="1200" dirty="0"/>
+            <a:t>Jakub Pietrasik</a:t>
+          </a:r>
+        </a:p>
+      </dsp:txBody>
+      <dsp:txXfrm>
+        <a:off x="8739394" y="2289225"/>
+        <a:ext cx="1315057" cy="599402"/>
+      </dsp:txXfrm>
+    </dsp:sp>
+    <dsp:sp modelId="{858B0BB1-9982-470D-9633-74CC30C0322E}">
+      <dsp:nvSpPr>
+        <dsp:cNvPr id="0" name=""/>
+        <dsp:cNvSpPr/>
+      </dsp:nvSpPr>
+      <dsp:spPr>
+        <a:xfrm>
+          <a:off x="10107276" y="2384435"/>
+          <a:ext cx="653583" cy="653583"/>
         </a:xfrm>
         <a:prstGeom prst="ellipse">
           <a:avLst/>
@@ -20575,7 +20876,7 @@
           <a:p>
             <a:fld id="{D575FB7F-0520-44F8-A762-EE9969D8C31D}" type="datetimeFigureOut">
               <a:rPr lang="en-US" smtClean="0"/>
-              <a:t>4/9/2017</a:t>
+              <a:t>4/10/2017</a:t>
             </a:fld>
             <a:endParaRPr lang="en-US"/>
           </a:p>
@@ -20782,7 +21083,7 @@
           <a:p>
             <a:fld id="{D575FB7F-0520-44F8-A762-EE9969D8C31D}" type="datetimeFigureOut">
               <a:rPr lang="en-US" smtClean="0"/>
-              <a:t>4/9/2017</a:t>
+              <a:t>4/10/2017</a:t>
             </a:fld>
             <a:endParaRPr lang="en-US"/>
           </a:p>
@@ -20962,7 +21263,7 @@
           <a:p>
             <a:fld id="{D575FB7F-0520-44F8-A762-EE9969D8C31D}" type="datetimeFigureOut">
               <a:rPr lang="en-US" smtClean="0"/>
-              <a:t>4/9/2017</a:t>
+              <a:t>4/10/2017</a:t>
             </a:fld>
             <a:endParaRPr lang="en-US"/>
           </a:p>
@@ -21167,7 +21468,7 @@
           <a:p>
             <a:fld id="{D575FB7F-0520-44F8-A762-EE9969D8C31D}" type="datetimeFigureOut">
               <a:rPr lang="en-US" smtClean="0"/>
-              <a:t>4/9/2017</a:t>
+              <a:t>4/10/2017</a:t>
             </a:fld>
             <a:endParaRPr lang="en-US"/>
           </a:p>
@@ -30065,7 +30366,7 @@
           <a:p>
             <a:fld id="{D575FB7F-0520-44F8-A762-EE9969D8C31D}" type="datetimeFigureOut">
               <a:rPr lang="en-US" smtClean="0"/>
-              <a:t>4/9/2017</a:t>
+              <a:t>4/10/2017</a:t>
             </a:fld>
             <a:endParaRPr lang="en-US"/>
           </a:p>
@@ -30339,7 +30640,7 @@
           <a:p>
             <a:fld id="{D575FB7F-0520-44F8-A762-EE9969D8C31D}" type="datetimeFigureOut">
               <a:rPr lang="en-US" smtClean="0"/>
-              <a:t>4/9/2017</a:t>
+              <a:t>4/10/2017</a:t>
             </a:fld>
             <a:endParaRPr lang="en-US"/>
           </a:p>
@@ -30737,7 +31038,7 @@
           <a:p>
             <a:fld id="{D575FB7F-0520-44F8-A762-EE9969D8C31D}" type="datetimeFigureOut">
               <a:rPr lang="en-US" smtClean="0"/>
-              <a:t>4/9/2017</a:t>
+              <a:t>4/10/2017</a:t>
             </a:fld>
             <a:endParaRPr lang="en-US"/>
           </a:p>
@@ -30855,7 +31156,7 @@
           <a:p>
             <a:fld id="{D575FB7F-0520-44F8-A762-EE9969D8C31D}" type="datetimeFigureOut">
               <a:rPr lang="en-US" smtClean="0"/>
-              <a:t>4/9/2017</a:t>
+              <a:t>4/10/2017</a:t>
             </a:fld>
             <a:endParaRPr lang="en-US"/>
           </a:p>
@@ -30950,7 +31251,7 @@
           <a:p>
             <a:fld id="{D575FB7F-0520-44F8-A762-EE9969D8C31D}" type="datetimeFigureOut">
               <a:rPr lang="en-US" smtClean="0"/>
-              <a:t>4/9/2017</a:t>
+              <a:t>4/10/2017</a:t>
             </a:fld>
             <a:endParaRPr lang="en-US"/>
           </a:p>
@@ -31240,7 +31541,7 @@
           <a:p>
             <a:fld id="{D575FB7F-0520-44F8-A762-EE9969D8C31D}" type="datetimeFigureOut">
               <a:rPr lang="en-US" smtClean="0"/>
-              <a:t>4/9/2017</a:t>
+              <a:t>4/10/2017</a:t>
             </a:fld>
             <a:endParaRPr lang="en-US"/>
           </a:p>
@@ -31520,7 +31821,7 @@
           <a:p>
             <a:fld id="{D575FB7F-0520-44F8-A762-EE9969D8C31D}" type="datetimeFigureOut">
               <a:rPr lang="en-US" smtClean="0"/>
-              <a:t>4/9/2017</a:t>
+              <a:t>4/10/2017</a:t>
             </a:fld>
             <a:endParaRPr lang="en-US"/>
           </a:p>
@@ -31770,7 +32071,7 @@
           <a:p>
             <a:fld id="{D575FB7F-0520-44F8-A762-EE9969D8C31D}" type="datetimeFigureOut">
               <a:rPr lang="en-US" smtClean="0"/>
-              <a:t>4/9/2017</a:t>
+              <a:t>4/10/2017</a:t>
             </a:fld>
             <a:endParaRPr lang="en-US"/>
           </a:p>
@@ -32327,7 +32628,7 @@
             </a:r>
             <a:r>
               <a:rPr lang="en-US" dirty="0"/>
-              <a:t> Kang</a:t>
+              <a:t> Kang, Jakub Pietrasik</a:t>
             </a:r>
           </a:p>
         </p:txBody>
@@ -32559,7 +32860,7 @@
           <p:nvPr>
             <p:extLst>
               <p:ext uri="{D42A27DB-BD31-4B8C-83A1-F6EECF244321}">
-                <p14:modId xmlns:p14="http://schemas.microsoft.com/office/powerpoint/2010/main" val="3666804231"/>
+                <p14:modId xmlns:p14="http://schemas.microsoft.com/office/powerpoint/2010/main" val="3590205755"/>
               </p:ext>
             </p:extLst>
           </p:nvPr>
@@ -32916,7 +33217,10 @@
                     <a:bodyPr/>
                     <a:lstStyle/>
                     <a:p>
-                      <a:endParaRPr lang="en-US" dirty="0"/>
+                      <a:r>
+                        <a:rPr lang="en-US" dirty="0"/>
+                        <a:t>2</a:t>
+                      </a:r>
                     </a:p>
                   </a:txBody>
                   <a:tcPr/>
@@ -32940,7 +33244,7 @@
           <p:nvPr>
             <p:extLst>
               <p:ext uri="{D42A27DB-BD31-4B8C-83A1-F6EECF244321}">
-                <p14:modId xmlns:p14="http://schemas.microsoft.com/office/powerpoint/2010/main" val="1813415532"/>
+                <p14:modId xmlns:p14="http://schemas.microsoft.com/office/powerpoint/2010/main" val="887257630"/>
               </p:ext>
             </p:extLst>
           </p:nvPr>
@@ -33231,7 +33535,10 @@
                     <a:bodyPr/>
                     <a:lstStyle/>
                     <a:p>
-                      <a:endParaRPr lang="en-US" dirty="0"/>
+                      <a:r>
+                        <a:rPr lang="en-US" dirty="0"/>
+                        <a:t>3</a:t>
+                      </a:r>
                     </a:p>
                   </a:txBody>
                   <a:tcPr/>
@@ -33398,6 +33705,29 @@
           </a:prstGeom>
         </p:spPr>
       </p:pic>
+      <p:pic>
+        <p:nvPicPr>
+          <p:cNvPr id="3" name="Picture 2"/>
+          <p:cNvPicPr>
+            <a:picLocks noChangeAspect="1"/>
+          </p:cNvPicPr>
+          <p:nvPr/>
+        </p:nvPicPr>
+        <p:blipFill rotWithShape="1">
+          <a:blip r:embed="rId3"/>
+          <a:srcRect r="553"/>
+          <a:stretch/>
+        </p:blipFill>
+        <p:spPr>
+          <a:xfrm>
+            <a:off x="6482677" y="1758461"/>
+            <a:ext cx="4166031" cy="4512461"/>
+          </a:xfrm>
+          <a:prstGeom prst="rect">
+            <a:avLst/>
+          </a:prstGeom>
+        </p:spPr>
+      </p:pic>
     </p:spTree>
     <p:extLst>
       <p:ext uri="{BB962C8B-B14F-4D97-AF65-F5344CB8AC3E}">
@@ -33558,6 +33888,30 @@
           </a:prstGeom>
         </p:spPr>
       </p:pic>
+      <p:pic>
+        <p:nvPicPr>
+          <p:cNvPr id="3" name="Picture 2"/>
+          <p:cNvPicPr>
+            <a:picLocks noChangeAspect="1"/>
+          </p:cNvPicPr>
+          <p:nvPr/>
+        </p:nvPicPr>
+        <p:blipFill>
+          <a:blip r:embed="rId3"/>
+          <a:stretch>
+            <a:fillRect/>
+          </a:stretch>
+        </p:blipFill>
+        <p:spPr>
+          <a:xfrm>
+            <a:off x="7298351" y="1821061"/>
+            <a:ext cx="3683242" cy="4713519"/>
+          </a:xfrm>
+          <a:prstGeom prst="rect">
+            <a:avLst/>
+          </a:prstGeom>
+        </p:spPr>
+      </p:pic>
     </p:spTree>
     <p:extLst>
       <p:ext uri="{BB962C8B-B14F-4D97-AF65-F5344CB8AC3E}">
@@ -33703,7 +34057,12 @@
             <p:ph idx="1"/>
           </p:nvPr>
         </p:nvSpPr>
-        <p:spPr/>
+        <p:spPr>
+          <a:xfrm>
+            <a:off x="1024128" y="2286000"/>
+            <a:ext cx="3999285" cy="4023360"/>
+          </a:xfrm>
+        </p:spPr>
         <p:txBody>
           <a:bodyPr/>
           <a:lstStyle/>
@@ -33730,6 +34089,30 @@
           <a:xfrm>
             <a:off x="1024128" y="1820008"/>
             <a:ext cx="3681917" cy="4791808"/>
+          </a:xfrm>
+          <a:prstGeom prst="rect">
+            <a:avLst/>
+          </a:prstGeom>
+        </p:spPr>
+      </p:pic>
+      <p:pic>
+        <p:nvPicPr>
+          <p:cNvPr id="5" name="Picture 4"/>
+          <p:cNvPicPr>
+            <a:picLocks noChangeAspect="1"/>
+          </p:cNvPicPr>
+          <p:nvPr/>
+        </p:nvPicPr>
+        <p:blipFill>
+          <a:blip r:embed="rId3"/>
+          <a:stretch>
+            <a:fillRect/>
+          </a:stretch>
+        </p:blipFill>
+        <p:spPr>
+          <a:xfrm>
+            <a:off x="6501252" y="1820008"/>
+            <a:ext cx="4413723" cy="4791808"/>
           </a:xfrm>
           <a:prstGeom prst="rect">
             <a:avLst/>
@@ -33904,6 +34287,30 @@
           </a:prstGeom>
         </p:spPr>
       </p:pic>
+      <p:pic>
+        <p:nvPicPr>
+          <p:cNvPr id="3" name="Picture 2"/>
+          <p:cNvPicPr>
+            <a:picLocks noChangeAspect="1"/>
+          </p:cNvPicPr>
+          <p:nvPr/>
+        </p:nvPicPr>
+        <p:blipFill>
+          <a:blip r:embed="rId3"/>
+          <a:stretch>
+            <a:fillRect/>
+          </a:stretch>
+        </p:blipFill>
+        <p:spPr>
+          <a:xfrm>
+            <a:off x="6399497" y="2084832"/>
+            <a:ext cx="3751764" cy="4022725"/>
+          </a:xfrm>
+          <a:prstGeom prst="rect">
+            <a:avLst/>
+          </a:prstGeom>
+        </p:spPr>
+      </p:pic>
     </p:spTree>
     <p:extLst>
       <p:ext uri="{BB962C8B-B14F-4D97-AF65-F5344CB8AC3E}">
@@ -33966,14 +34373,14 @@
             <p:ph idx="1"/>
             <p:extLst>
               <p:ext uri="{D42A27DB-BD31-4B8C-83A1-F6EECF244321}">
-                <p14:modId xmlns:p14="http://schemas.microsoft.com/office/powerpoint/2010/main" val="216986890"/>
+                <p14:modId xmlns:p14="http://schemas.microsoft.com/office/powerpoint/2010/main" val="554643677"/>
               </p:ext>
             </p:extLst>
           </p:nvPr>
         </p:nvGraphicFramePr>
         <p:xfrm>
-          <a:off x="751376" y="1925516"/>
-          <a:ext cx="10687415" cy="4554415"/>
+          <a:off x="751377" y="2546647"/>
+          <a:ext cx="10766707" cy="3933284"/>
         </p:xfrm>
         <a:graphic>
           <a:graphicData uri="http://schemas.openxmlformats.org/drawingml/2006/diagram">
@@ -34155,6 +34562,30 @@
           </a:prstGeom>
         </p:spPr>
       </p:pic>
+      <p:pic>
+        <p:nvPicPr>
+          <p:cNvPr id="3" name="Picture 2"/>
+          <p:cNvPicPr>
+            <a:picLocks noChangeAspect="1"/>
+          </p:cNvPicPr>
+          <p:nvPr/>
+        </p:nvPicPr>
+        <p:blipFill>
+          <a:blip r:embed="rId3"/>
+          <a:stretch>
+            <a:fillRect/>
+          </a:stretch>
+        </p:blipFill>
+        <p:spPr>
+          <a:xfrm>
+            <a:off x="6475673" y="2084832"/>
+            <a:ext cx="3200761" cy="3914306"/>
+          </a:xfrm>
+          <a:prstGeom prst="rect">
+            <a:avLst/>
+          </a:prstGeom>
+        </p:spPr>
+      </p:pic>
     </p:spTree>
     <p:extLst>
       <p:ext uri="{BB962C8B-B14F-4D97-AF65-F5344CB8AC3E}">
@@ -34323,6 +34754,30 @@
           <a:xfrm>
             <a:off x="1302089" y="2084832"/>
             <a:ext cx="3273113" cy="4022725"/>
+          </a:xfrm>
+          <a:prstGeom prst="rect">
+            <a:avLst/>
+          </a:prstGeom>
+        </p:spPr>
+      </p:pic>
+      <p:pic>
+        <p:nvPicPr>
+          <p:cNvPr id="3" name="Picture 2"/>
+          <p:cNvPicPr>
+            <a:picLocks noChangeAspect="1"/>
+          </p:cNvPicPr>
+          <p:nvPr/>
+        </p:nvPicPr>
+        <p:blipFill>
+          <a:blip r:embed="rId3"/>
+          <a:stretch>
+            <a:fillRect/>
+          </a:stretch>
+        </p:blipFill>
+        <p:spPr>
+          <a:xfrm>
+            <a:off x="5216746" y="2084832"/>
+            <a:ext cx="4420733" cy="4022725"/>
           </a:xfrm>
           <a:prstGeom prst="rect">
             <a:avLst/>
@@ -34633,6 +35088,126 @@
           <a:p>
             <a:r>
               <a:rPr lang="en-US" dirty="0"/>
+              <a:t>legacy</a:t>
+            </a:r>
+          </a:p>
+        </p:txBody>
+      </p:sp>
+      <p:sp>
+        <p:nvSpPr>
+          <p:cNvPr id="3" name="Content Placeholder 2"/>
+          <p:cNvSpPr>
+            <a:spLocks noGrp="1"/>
+          </p:cNvSpPr>
+          <p:nvPr>
+            <p:ph idx="1"/>
+          </p:nvPr>
+        </p:nvSpPr>
+        <p:spPr/>
+        <p:txBody>
+          <a:bodyPr>
+            <a:normAutofit/>
+          </a:bodyPr>
+          <a:lstStyle/>
+          <a:p>
+            <a:pPr marL="457200" indent="-457200">
+              <a:buFont typeface="+mj-lt"/>
+              <a:buAutoNum type="arabicPeriod"/>
+            </a:pPr>
+            <a:r>
+              <a:rPr lang="en-US" sz="2800" dirty="0"/>
+              <a:t>Organization is a task in itself.</a:t>
+            </a:r>
+          </a:p>
+          <a:p>
+            <a:pPr marL="457200" indent="-457200">
+              <a:buFont typeface="+mj-lt"/>
+              <a:buAutoNum type="arabicPeriod"/>
+            </a:pPr>
+            <a:r>
+              <a:rPr lang="en-US" sz="2800" dirty="0"/>
+              <a:t>Understand each group member to understand the project.</a:t>
+            </a:r>
+          </a:p>
+          <a:p>
+            <a:pPr marL="457200" indent="-457200">
+              <a:buFont typeface="+mj-lt"/>
+              <a:buAutoNum type="arabicPeriod"/>
+            </a:pPr>
+            <a:r>
+              <a:rPr lang="en-US" sz="2800" dirty="0"/>
+              <a:t>Communication becomes increasingly important.</a:t>
+            </a:r>
+          </a:p>
+          <a:p>
+            <a:pPr marL="457200" indent="-457200">
+              <a:buFont typeface="+mj-lt"/>
+              <a:buAutoNum type="arabicPeriod"/>
+            </a:pPr>
+            <a:r>
+              <a:rPr lang="en-US" sz="2800" dirty="0"/>
+              <a:t>Documentation helpful for everyone.</a:t>
+            </a:r>
+          </a:p>
+          <a:p>
+            <a:pPr marL="457200" indent="-457200">
+              <a:buFont typeface="+mj-lt"/>
+              <a:buAutoNum type="arabicPeriod"/>
+            </a:pPr>
+            <a:r>
+              <a:rPr lang="en-US" sz="2800" dirty="0"/>
+              <a:t>Take into account possible setbacks in scheduling.</a:t>
+            </a:r>
+          </a:p>
+        </p:txBody>
+      </p:sp>
+    </p:spTree>
+    <p:extLst>
+      <p:ext uri="{BB962C8B-B14F-4D97-AF65-F5344CB8AC3E}">
+        <p14:creationId xmlns:p14="http://schemas.microsoft.com/office/powerpoint/2010/main" val="487502751"/>
+      </p:ext>
+    </p:extLst>
+  </p:cSld>
+  <p:clrMapOvr>
+    <a:masterClrMapping/>
+  </p:clrMapOvr>
+</p:sld>
+</file>
+
+<file path=ppt/slides/slide28.xml><?xml version="1.0" encoding="utf-8"?>
+<p:sld xmlns:a="http://schemas.openxmlformats.org/drawingml/2006/main" xmlns:r="http://schemas.openxmlformats.org/officeDocument/2006/relationships" xmlns:p="http://schemas.openxmlformats.org/presentationml/2006/main">
+  <p:cSld>
+    <p:spTree>
+      <p:nvGrpSpPr>
+        <p:cNvPr id="1" name=""/>
+        <p:cNvGrpSpPr/>
+        <p:nvPr/>
+      </p:nvGrpSpPr>
+      <p:grpSpPr>
+        <a:xfrm>
+          <a:off x="0" y="0"/>
+          <a:ext cx="0" cy="0"/>
+          <a:chOff x="0" y="0"/>
+          <a:chExt cx="0" cy="0"/>
+        </a:xfrm>
+      </p:grpSpPr>
+      <p:sp>
+        <p:nvSpPr>
+          <p:cNvPr id="2" name="Title 1"/>
+          <p:cNvSpPr>
+            <a:spLocks noGrp="1"/>
+          </p:cNvSpPr>
+          <p:nvPr>
+            <p:ph type="title"/>
+          </p:nvPr>
+        </p:nvSpPr>
+        <p:spPr/>
+        <p:txBody>
+          <a:bodyPr/>
+          <a:lstStyle/>
+          <a:p>
+            <a:r>
+              <a:rPr lang="en-US" dirty="0"/>
               <a:t>Software Implementation</a:t>
             </a:r>
           </a:p>
@@ -34676,7 +35251,7 @@
 </p:sld>
 </file>
 
-<file path=ppt/slides/slide28.xml><?xml version="1.0" encoding="utf-8"?>
+<file path=ppt/slides/slide29.xml><?xml version="1.0" encoding="utf-8"?>
 <p:sld xmlns:a="http://schemas.openxmlformats.org/drawingml/2006/main" xmlns:r="http://schemas.openxmlformats.org/officeDocument/2006/relationships" xmlns:p="http://schemas.openxmlformats.org/presentationml/2006/main">
   <p:cSld>
     <p:spTree>
@@ -34784,7 +35359,6 @@
               <a:rPr lang="en-US" dirty="0"/>
               <a:t>Drag &amp; Drop user interface design allows for rapid iteration. Separation of design and logic files allows for team members to quickly and easily focus on their specific layer of application development.</a:t>
             </a:r>
-            <a:endParaRPr lang="en-US" dirty="0"/>
           </a:p>
         </p:txBody>
       </p:sp>
@@ -34792,113 +35366,6 @@
     <p:extLst>
       <p:ext uri="{BB962C8B-B14F-4D97-AF65-F5344CB8AC3E}">
         <p14:creationId xmlns:p14="http://schemas.microsoft.com/office/powerpoint/2010/main" val="1248089591"/>
-      </p:ext>
-    </p:extLst>
-  </p:cSld>
-  <p:clrMapOvr>
-    <a:masterClrMapping/>
-  </p:clrMapOvr>
-</p:sld>
-</file>
-
-<file path=ppt/slides/slide29.xml><?xml version="1.0" encoding="utf-8"?>
-<p:sld xmlns:a="http://schemas.openxmlformats.org/drawingml/2006/main" xmlns:r="http://schemas.openxmlformats.org/officeDocument/2006/relationships" xmlns:p="http://schemas.openxmlformats.org/presentationml/2006/main">
-  <p:cSld>
-    <p:spTree>
-      <p:nvGrpSpPr>
-        <p:cNvPr id="1" name=""/>
-        <p:cNvGrpSpPr/>
-        <p:nvPr/>
-      </p:nvGrpSpPr>
-      <p:grpSpPr>
-        <a:xfrm>
-          <a:off x="0" y="0"/>
-          <a:ext cx="0" cy="0"/>
-          <a:chOff x="0" y="0"/>
-          <a:chExt cx="0" cy="0"/>
-        </a:xfrm>
-      </p:grpSpPr>
-      <p:sp>
-        <p:nvSpPr>
-          <p:cNvPr id="2" name="Title 1"/>
-          <p:cNvSpPr>
-            <a:spLocks noGrp="1"/>
-          </p:cNvSpPr>
-          <p:nvPr>
-            <p:ph type="title"/>
-          </p:nvPr>
-        </p:nvSpPr>
-        <p:spPr/>
-        <p:txBody>
-          <a:bodyPr/>
-          <a:lstStyle/>
-          <a:p>
-            <a:r>
-              <a:rPr lang="en-US" dirty="0"/>
-              <a:t>GUI (JavaFX)</a:t>
-            </a:r>
-          </a:p>
-        </p:txBody>
-      </p:sp>
-      <p:sp>
-        <p:nvSpPr>
-          <p:cNvPr id="3" name="Content Placeholder 2"/>
-          <p:cNvSpPr>
-            <a:spLocks noGrp="1"/>
-          </p:cNvSpPr>
-          <p:nvPr>
-            <p:ph idx="1"/>
-          </p:nvPr>
-        </p:nvSpPr>
-        <p:spPr/>
-        <p:txBody>
-          <a:bodyPr/>
-          <a:lstStyle/>
-          <a:p>
-            <a:r>
-              <a:rPr lang="en-US" dirty="0"/>
-              <a:t>JavaFX is a software platform for creating and delivering desktop applications, as well as rich internet applications (RIAs) that can run across a wide variety of devices. JavaFX is intended to replace Swing as the standard GUI library for Java SE, but both will be included for the foreseeable future. JavaFX has support for desktop computers and web browsers on Microsoft Windows, Linux, and </a:t>
-            </a:r>
-            <a:r>
-              <a:rPr lang="en-US" dirty="0" err="1"/>
-              <a:t>macOS</a:t>
-            </a:r>
-            <a:r>
-              <a:rPr lang="en-US" dirty="0"/>
-              <a:t>.</a:t>
-            </a:r>
-            <a:endParaRPr lang="en-US" dirty="0"/>
-          </a:p>
-        </p:txBody>
-      </p:sp>
-      <p:pic>
-        <p:nvPicPr>
-          <p:cNvPr id="4" name="Picture 3"/>
-          <p:cNvPicPr>
-            <a:picLocks noChangeAspect="1"/>
-          </p:cNvPicPr>
-          <p:nvPr/>
-        </p:nvPicPr>
-        <p:blipFill>
-          <a:blip r:embed="rId2"/>
-          <a:stretch>
-            <a:fillRect/>
-          </a:stretch>
-        </p:blipFill>
-        <p:spPr>
-          <a:xfrm>
-            <a:off x="6396770" y="4297680"/>
-            <a:ext cx="4181475" cy="1809750"/>
-          </a:xfrm>
-          <a:prstGeom prst="rect">
-            <a:avLst/>
-          </a:prstGeom>
-        </p:spPr>
-      </p:pic>
-    </p:spTree>
-    <p:extLst>
-      <p:ext uri="{BB962C8B-B14F-4D97-AF65-F5344CB8AC3E}">
-        <p14:creationId xmlns:p14="http://schemas.microsoft.com/office/powerpoint/2010/main" val="1550377101"/>
       </p:ext>
     </p:extLst>
   </p:cSld>
@@ -35027,7 +35494,6 @@
               <a:rPr lang="en-US" dirty="0"/>
               <a:t>https://github.com/MengyuanZhu/SoftwareEngineering</a:t>
             </a:r>
-            <a:endParaRPr lang="en-US" dirty="0"/>
           </a:p>
         </p:txBody>
       </p:sp>
@@ -35045,6 +35511,112 @@
 </file>
 
 <file path=ppt/slides/slide30.xml><?xml version="1.0" encoding="utf-8"?>
+<p:sld xmlns:a="http://schemas.openxmlformats.org/drawingml/2006/main" xmlns:r="http://schemas.openxmlformats.org/officeDocument/2006/relationships" xmlns:p="http://schemas.openxmlformats.org/presentationml/2006/main">
+  <p:cSld>
+    <p:spTree>
+      <p:nvGrpSpPr>
+        <p:cNvPr id="1" name=""/>
+        <p:cNvGrpSpPr/>
+        <p:nvPr/>
+      </p:nvGrpSpPr>
+      <p:grpSpPr>
+        <a:xfrm>
+          <a:off x="0" y="0"/>
+          <a:ext cx="0" cy="0"/>
+          <a:chOff x="0" y="0"/>
+          <a:chExt cx="0" cy="0"/>
+        </a:xfrm>
+      </p:grpSpPr>
+      <p:sp>
+        <p:nvSpPr>
+          <p:cNvPr id="2" name="Title 1"/>
+          <p:cNvSpPr>
+            <a:spLocks noGrp="1"/>
+          </p:cNvSpPr>
+          <p:nvPr>
+            <p:ph type="title"/>
+          </p:nvPr>
+        </p:nvSpPr>
+        <p:spPr/>
+        <p:txBody>
+          <a:bodyPr/>
+          <a:lstStyle/>
+          <a:p>
+            <a:r>
+              <a:rPr lang="en-US" dirty="0"/>
+              <a:t>GUI (JavaFX)</a:t>
+            </a:r>
+          </a:p>
+        </p:txBody>
+      </p:sp>
+      <p:sp>
+        <p:nvSpPr>
+          <p:cNvPr id="3" name="Content Placeholder 2"/>
+          <p:cNvSpPr>
+            <a:spLocks noGrp="1"/>
+          </p:cNvSpPr>
+          <p:nvPr>
+            <p:ph idx="1"/>
+          </p:nvPr>
+        </p:nvSpPr>
+        <p:spPr/>
+        <p:txBody>
+          <a:bodyPr/>
+          <a:lstStyle/>
+          <a:p>
+            <a:r>
+              <a:rPr lang="en-US" dirty="0"/>
+              <a:t>JavaFX is a software platform for creating and delivering desktop applications, as well as rich internet applications (RIAs) that can run across a wide variety of devices. JavaFX is intended to replace Swing as the standard GUI library for Java SE, but both will be included for the foreseeable future. JavaFX has support for desktop computers and web browsers on Microsoft Windows, Linux, and </a:t>
+            </a:r>
+            <a:r>
+              <a:rPr lang="en-US" dirty="0" err="1"/>
+              <a:t>macOS</a:t>
+            </a:r>
+            <a:r>
+              <a:rPr lang="en-US" dirty="0"/>
+              <a:t>.</a:t>
+            </a:r>
+          </a:p>
+        </p:txBody>
+      </p:sp>
+      <p:pic>
+        <p:nvPicPr>
+          <p:cNvPr id="4" name="Picture 3"/>
+          <p:cNvPicPr>
+            <a:picLocks noChangeAspect="1"/>
+          </p:cNvPicPr>
+          <p:nvPr/>
+        </p:nvPicPr>
+        <p:blipFill>
+          <a:blip r:embed="rId2"/>
+          <a:stretch>
+            <a:fillRect/>
+          </a:stretch>
+        </p:blipFill>
+        <p:spPr>
+          <a:xfrm>
+            <a:off x="6396770" y="4297680"/>
+            <a:ext cx="4181475" cy="1809750"/>
+          </a:xfrm>
+          <a:prstGeom prst="rect">
+            <a:avLst/>
+          </a:prstGeom>
+        </p:spPr>
+      </p:pic>
+    </p:spTree>
+    <p:extLst>
+      <p:ext uri="{BB962C8B-B14F-4D97-AF65-F5344CB8AC3E}">
+        <p14:creationId xmlns:p14="http://schemas.microsoft.com/office/powerpoint/2010/main" val="1550377101"/>
+      </p:ext>
+    </p:extLst>
+  </p:cSld>
+  <p:clrMapOvr>
+    <a:masterClrMapping/>
+  </p:clrMapOvr>
+</p:sld>
+</file>
+
+<file path=ppt/slides/slide31.xml><?xml version="1.0" encoding="utf-8"?>
 <p:sld xmlns:a="http://schemas.openxmlformats.org/drawingml/2006/main" xmlns:r="http://schemas.openxmlformats.org/officeDocument/2006/relationships" xmlns:p="http://schemas.openxmlformats.org/presentationml/2006/main">
   <p:cSld>
     <p:spTree>
@@ -35102,7 +35674,6 @@
               <a:rPr lang="en-US" dirty="0"/>
               <a:t>Eclipse is an integrated development environment (IDE) used in computer programming, and is the most widely used Java IDE.[6] It contains a base workspace and an extensible plug-in system for customizing the environment. Eclipse is written mostly in Java and its primary use is for developing Java applications, but it may also be used to develop applications in other programming languages via plug-ins.</a:t>
             </a:r>
-            <a:endParaRPr lang="en-US" dirty="0"/>
           </a:p>
         </p:txBody>
       </p:sp>
@@ -35160,7 +35731,7 @@
 </p:sld>
 </file>
 
-<file path=ppt/slides/slide31.xml><?xml version="1.0" encoding="utf-8"?>
+<file path=ppt/slides/slide32.xml><?xml version="1.0" encoding="utf-8"?>
 <p:sld xmlns:a="http://schemas.openxmlformats.org/drawingml/2006/main" xmlns:r="http://schemas.openxmlformats.org/officeDocument/2006/relationships" xmlns:p="http://schemas.openxmlformats.org/presentationml/2006/main">
   <p:cSld>
     <p:spTree>
@@ -35246,7 +35817,7 @@
 </p:sld>
 </file>
 
-<file path=ppt/slides/slide32.xml><?xml version="1.0" encoding="utf-8"?>
+<file path=ppt/slides/slide33.xml><?xml version="1.0" encoding="utf-8"?>
 <p:sld xmlns:a="http://schemas.openxmlformats.org/drawingml/2006/main" xmlns:r="http://schemas.openxmlformats.org/officeDocument/2006/relationships" xmlns:p="http://schemas.openxmlformats.org/presentationml/2006/main">
   <p:cSld>
     <p:spTree>
@@ -35309,7 +35880,6 @@
               <a:rPr lang="en-US" dirty="0"/>
               <a:t> is a version control system (VCS) for tracking changes in computer files and coordinating work on those files among multiple people. It is primarily used for software development, but it can be used to keep track of changes in any files. As a distributed revision control system it is aimed at speed, data integrity, and support for distributed, non-linear workflows.</a:t>
             </a:r>
-            <a:endParaRPr lang="en-US" dirty="0"/>
           </a:p>
         </p:txBody>
       </p:sp>
@@ -35326,7 +35896,7 @@
 </p:sld>
 </file>
 
-<file path=ppt/slides/slide33.xml><?xml version="1.0" encoding="utf-8"?>
+<file path=ppt/slides/slide34.xml><?xml version="1.0" encoding="utf-8"?>
 <p:sld xmlns:a="http://schemas.openxmlformats.org/drawingml/2006/main" xmlns:r="http://schemas.openxmlformats.org/officeDocument/2006/relationships" xmlns:p="http://schemas.openxmlformats.org/presentationml/2006/main">
   <p:cSld>
     <p:spTree>
@@ -35384,7 +35954,6 @@
               <a:rPr lang="en-US" dirty="0"/>
               <a:t>SQL Structured Query Language is a domain-specific language used in programming and designed for managing data held in a relational database management system (RDBMS), or for stream processing in a relational data stream management system (RDSMS).</a:t>
             </a:r>
-            <a:endParaRPr lang="en-US" dirty="0"/>
           </a:p>
         </p:txBody>
       </p:sp>
@@ -35401,7 +35970,7 @@
 </p:sld>
 </file>
 
-<file path=ppt/slides/slide34.xml><?xml version="1.0" encoding="utf-8"?>
+<file path=ppt/slides/slide35.xml><?xml version="1.0" encoding="utf-8"?>
 <p:sld xmlns:a="http://schemas.openxmlformats.org/drawingml/2006/main" xmlns:r="http://schemas.openxmlformats.org/officeDocument/2006/relationships" xmlns:p="http://schemas.openxmlformats.org/presentationml/2006/main">
   <p:cSld>
     <p:spTree>
@@ -35487,7 +36056,7 @@
 </p:sld>
 </file>
 
-<file path=ppt/slides/slide35.xml><?xml version="1.0" encoding="utf-8"?>
+<file path=ppt/slides/slide36.xml><?xml version="1.0" encoding="utf-8"?>
 <p:sld xmlns:a="http://schemas.openxmlformats.org/drawingml/2006/main" xmlns:r="http://schemas.openxmlformats.org/officeDocument/2006/relationships" xmlns:p="http://schemas.openxmlformats.org/presentationml/2006/main">
   <p:cSld>
     <p:spTree>
